--- a/SOLID-nguyenvannhhut_lephuongthanh.pptx
+++ b/SOLID-nguyenvannhhut_lephuongthanh.pptx
@@ -5,24 +5,25 @@
     <p:sldMasterId id="2147483732" r:id="rId1"/>
   </p:sldMasterIdLst>
   <p:notesMasterIdLst>
-    <p:notesMasterId r:id="rId17"/>
+    <p:notesMasterId r:id="rId18"/>
   </p:notesMasterIdLst>
   <p:sldIdLst>
     <p:sldId id="256" r:id="rId2"/>
     <p:sldId id="257" r:id="rId3"/>
-    <p:sldId id="258" r:id="rId4"/>
-    <p:sldId id="266" r:id="rId5"/>
-    <p:sldId id="267" r:id="rId6"/>
-    <p:sldId id="268" r:id="rId7"/>
-    <p:sldId id="265" r:id="rId8"/>
-    <p:sldId id="259" r:id="rId9"/>
-    <p:sldId id="260" r:id="rId10"/>
-    <p:sldId id="261" r:id="rId11"/>
-    <p:sldId id="262" r:id="rId12"/>
-    <p:sldId id="264" r:id="rId13"/>
-    <p:sldId id="269" r:id="rId14"/>
-    <p:sldId id="270" r:id="rId15"/>
-    <p:sldId id="263" r:id="rId16"/>
+    <p:sldId id="271" r:id="rId4"/>
+    <p:sldId id="258" r:id="rId5"/>
+    <p:sldId id="266" r:id="rId6"/>
+    <p:sldId id="267" r:id="rId7"/>
+    <p:sldId id="268" r:id="rId8"/>
+    <p:sldId id="265" r:id="rId9"/>
+    <p:sldId id="259" r:id="rId10"/>
+    <p:sldId id="260" r:id="rId11"/>
+    <p:sldId id="261" r:id="rId12"/>
+    <p:sldId id="262" r:id="rId13"/>
+    <p:sldId id="264" r:id="rId14"/>
+    <p:sldId id="269" r:id="rId15"/>
+    <p:sldId id="270" r:id="rId16"/>
+    <p:sldId id="263" r:id="rId17"/>
   </p:sldIdLst>
   <p:sldSz cx="9144000" cy="6858000" type="screen4x3"/>
   <p:notesSz cx="6858000" cy="9144000"/>
@@ -1320,6 +1321,13 @@
         </dgm:presLayoutVars>
       </dgm:prSet>
       <dgm:spPr/>
+      <dgm:t>
+        <a:bodyPr/>
+        <a:lstStyle/>
+        <a:p>
+          <a:endParaRPr lang="en-US"/>
+        </a:p>
+      </dgm:t>
     </dgm:pt>
     <dgm:pt modelId="{A48281B0-68E7-4AD3-BBAF-8C045F44387F}" type="pres">
       <dgm:prSet presAssocID="{2D4E1E6E-25B5-450B-B8D1-9F8635DB53AC}" presName="parenttextcomposite" presStyleCnt="0"/>
@@ -1383,6 +1391,13 @@
         </dgm:presLayoutVars>
       </dgm:prSet>
       <dgm:spPr/>
+      <dgm:t>
+        <a:bodyPr/>
+        <a:lstStyle/>
+        <a:p>
+          <a:endParaRPr lang="en-US"/>
+        </a:p>
+      </dgm:t>
     </dgm:pt>
     <dgm:pt modelId="{AA2DBB26-2C5C-4A0F-B890-DB502AC46ECD}" type="pres">
       <dgm:prSet presAssocID="{4B021559-284C-439A-8847-DB1347BD0EBD}" presName="sibTrans" presStyleCnt="0"/>
@@ -1450,6 +1465,13 @@
         </dgm:presLayoutVars>
       </dgm:prSet>
       <dgm:spPr/>
+      <dgm:t>
+        <a:bodyPr/>
+        <a:lstStyle/>
+        <a:p>
+          <a:endParaRPr lang="en-US"/>
+        </a:p>
+      </dgm:t>
     </dgm:pt>
     <dgm:pt modelId="{DC891301-A94D-4997-8294-5AFEDE718D18}" type="pres">
       <dgm:prSet presAssocID="{B0E076BC-954C-47D8-A7DB-F38D1A393246}" presName="sibTrans" presStyleCnt="0"/>
@@ -1517,6 +1539,13 @@
         </dgm:presLayoutVars>
       </dgm:prSet>
       <dgm:spPr/>
+      <dgm:t>
+        <a:bodyPr/>
+        <a:lstStyle/>
+        <a:p>
+          <a:endParaRPr lang="en-US"/>
+        </a:p>
+      </dgm:t>
     </dgm:pt>
     <dgm:pt modelId="{57867B2E-8DB5-4E61-834F-63B92445542F}" type="pres">
       <dgm:prSet presAssocID="{56132FF5-F7E6-4107-86E7-8E2F6B9944CD}" presName="sibTrans" presStyleCnt="0"/>
@@ -1584,6 +1613,13 @@
         </dgm:presLayoutVars>
       </dgm:prSet>
       <dgm:spPr/>
+      <dgm:t>
+        <a:bodyPr/>
+        <a:lstStyle/>
+        <a:p>
+          <a:endParaRPr lang="en-US"/>
+        </a:p>
+      </dgm:t>
     </dgm:pt>
     <dgm:pt modelId="{E3224FE8-F446-4777-9318-59655B737689}" type="pres">
       <dgm:prSet presAssocID="{10F74925-ABAD-4755-B6B3-B95BFDDE67DC}" presName="sibTrans" presStyleCnt="0"/>
@@ -1602,6 +1638,13 @@
         </dgm:presLayoutVars>
       </dgm:prSet>
       <dgm:spPr/>
+      <dgm:t>
+        <a:bodyPr/>
+        <a:lstStyle/>
+        <a:p>
+          <a:endParaRPr lang="en-US"/>
+        </a:p>
+      </dgm:t>
     </dgm:pt>
     <dgm:pt modelId="{DA691CF5-5949-4139-9B2F-350BFCC594F5}" type="pres">
       <dgm:prSet presAssocID="{1CC7833F-CF16-47D6-8FD2-B060A6FD09F8}" presName="composite" presStyleCnt="0"/>
@@ -1644,30 +1687,37 @@
         </dgm:presLayoutVars>
       </dgm:prSet>
       <dgm:spPr/>
+      <dgm:t>
+        <a:bodyPr/>
+        <a:lstStyle/>
+        <a:p>
+          <a:endParaRPr lang="en-US"/>
+        </a:p>
+      </dgm:t>
     </dgm:pt>
   </dgm:ptLst>
   <dgm:cxnLst>
+    <dgm:cxn modelId="{77028357-4736-4DC5-8AC4-18B19E1012D2}" srcId="{E5D8C83C-7FD2-4F12-BC4B-753B499C9C06}" destId="{0A7404B2-DA8A-4703-9661-E97E29F09E22}" srcOrd="0" destOrd="0" parTransId="{DDF28E27-9826-4D96-834F-785BE1F01303}" sibTransId="{29D2BC39-A4CA-49E1-9DA5-CBB504E7E5D4}"/>
+    <dgm:cxn modelId="{0E7DBAE6-9477-4BE8-8563-7A589B069140}" srcId="{7F30C485-6013-4DBD-AB31-3572604D921C}" destId="{1760023A-BC79-4C67-BB14-00F8A0FEB625}" srcOrd="2" destOrd="0" parTransId="{A74110C5-1998-493C-89D6-BF76DD071CDB}" sibTransId="{56132FF5-F7E6-4107-86E7-8E2F6B9944CD}"/>
+    <dgm:cxn modelId="{C7013219-863D-44C5-8E3D-4C02771FBAEC}" type="presOf" srcId="{2D4E1E6E-25B5-450B-B8D1-9F8635DB53AC}" destId="{29B34C47-B0B3-418E-87E3-1C370A2C3F89}" srcOrd="0" destOrd="0" presId="urn:microsoft.com/office/officeart/2008/layout/VerticalAccentList"/>
+    <dgm:cxn modelId="{731CD31F-B00D-4A1F-9C95-2D4F014A38C4}" srcId="{1CC7833F-CF16-47D6-8FD2-B060A6FD09F8}" destId="{0EE833BA-DC2E-4684-B61C-A8F3BE89F279}" srcOrd="0" destOrd="0" parTransId="{291016F5-9D7D-41CF-8D8F-35493DAD3243}" sibTransId="{C065C0F1-778D-4A89-8883-99DDD0777460}"/>
+    <dgm:cxn modelId="{6BEF50ED-DEFC-4E73-BF37-0AE050E3A4F4}" type="presOf" srcId="{7F30C485-6013-4DBD-AB31-3572604D921C}" destId="{4E556BD5-87AD-44CF-86BF-F6ED9A06D68F}" srcOrd="0" destOrd="0" presId="urn:microsoft.com/office/officeart/2008/layout/VerticalAccentList"/>
+    <dgm:cxn modelId="{82471FB4-269A-4FF2-80FA-17C04198E584}" type="presOf" srcId="{0A7404B2-DA8A-4703-9661-E97E29F09E22}" destId="{E8333E1A-BAFC-4F4E-9A75-A73562A5A0DD}" srcOrd="0" destOrd="0" presId="urn:microsoft.com/office/officeart/2008/layout/VerticalAccentList"/>
+    <dgm:cxn modelId="{3E824E71-D19A-48CF-9902-0B31BB097E55}" type="presOf" srcId="{1CC7833F-CF16-47D6-8FD2-B060A6FD09F8}" destId="{15027F8D-D511-4CB9-8A12-0B8D1F80C0BA}" srcOrd="0" destOrd="0" presId="urn:microsoft.com/office/officeart/2008/layout/VerticalAccentList"/>
+    <dgm:cxn modelId="{69E6F39F-B623-48F7-AA7B-5FBA83BA6FEE}" type="presOf" srcId="{1760023A-BC79-4C67-BB14-00F8A0FEB625}" destId="{AA180962-C0F5-4CF2-8C6A-C3C5B9B8E653}" srcOrd="0" destOrd="0" presId="urn:microsoft.com/office/officeart/2008/layout/VerticalAccentList"/>
+    <dgm:cxn modelId="{75BE39F9-A2D5-4316-ABD4-3BA8387DC27F}" type="presOf" srcId="{0EE833BA-DC2E-4684-B61C-A8F3BE89F279}" destId="{417177FE-6471-492A-B841-E97BBEB977D4}" srcOrd="0" destOrd="0" presId="urn:microsoft.com/office/officeart/2008/layout/VerticalAccentList"/>
+    <dgm:cxn modelId="{C83196C6-5ED8-41E6-A9A2-153F5F84B4F1}" type="presOf" srcId="{3D0A9087-9BD6-4BAF-983B-77C7B27E16C3}" destId="{C3E261D1-B224-4334-BD46-F0E7C05B3B0E}" srcOrd="0" destOrd="0" presId="urn:microsoft.com/office/officeart/2008/layout/VerticalAccentList"/>
+    <dgm:cxn modelId="{2C9D1E58-BF07-42E9-94EF-3FD6B88E7C65}" type="presOf" srcId="{4EA6E689-934F-4061-A137-F0B8397D39C0}" destId="{0111D0D1-8CE6-4D77-9EC2-BCED81B973DB}" srcOrd="0" destOrd="0" presId="urn:microsoft.com/office/officeart/2008/layout/VerticalAccentList"/>
     <dgm:cxn modelId="{D1CD7235-6989-4DEC-8402-2DDD9A63DBB2}" srcId="{F4594F5B-68AE-499E-A429-FFF88A9FEB30}" destId="{4EA6E689-934F-4061-A137-F0B8397D39C0}" srcOrd="0" destOrd="0" parTransId="{3FC06C40-91A2-4158-924C-71718CB53A12}" sibTransId="{4A6A6B15-932A-43D1-B5BE-9209B9528CE0}"/>
+    <dgm:cxn modelId="{CF3F157A-D1B5-45D2-ADEC-0AE46AAE822A}" type="presOf" srcId="{F4594F5B-68AE-499E-A429-FFF88A9FEB30}" destId="{7E241C9F-451A-4108-8E6F-1F6D79F1B320}" srcOrd="0" destOrd="0" presId="urn:microsoft.com/office/officeart/2008/layout/VerticalAccentList"/>
+    <dgm:cxn modelId="{505498FB-277F-4F32-AAA5-D66A682FABEE}" srcId="{2D4E1E6E-25B5-450B-B8D1-9F8635DB53AC}" destId="{3D0A9087-9BD6-4BAF-983B-77C7B27E16C3}" srcOrd="0" destOrd="0" parTransId="{9AF58B11-6701-4870-9D1C-36B1852AE37D}" sibTransId="{BA369EF8-C2A5-4B8D-BEB1-F64A929EBC01}"/>
+    <dgm:cxn modelId="{81583C5E-997F-4D8F-AB94-089A4BB77B95}" srcId="{7F30C485-6013-4DBD-AB31-3572604D921C}" destId="{2D4E1E6E-25B5-450B-B8D1-9F8635DB53AC}" srcOrd="0" destOrd="0" parTransId="{FFDE58D1-9F8D-423F-B6B7-362D13B2F10C}" sibTransId="{4B021559-284C-439A-8847-DB1347BD0EBD}"/>
+    <dgm:cxn modelId="{8DE9746B-4E9A-468C-9E33-7452EE4B0460}" type="presOf" srcId="{F7E6F47B-58D0-4EFB-91E7-1E6F59565DB4}" destId="{191B2BC1-6DC0-46F0-BFAE-9C11B19F07C6}" srcOrd="0" destOrd="0" presId="urn:microsoft.com/office/officeart/2008/layout/VerticalAccentList"/>
+    <dgm:cxn modelId="{48479A61-47F4-4F31-80F7-0D91072B046B}" srcId="{7F30C485-6013-4DBD-AB31-3572604D921C}" destId="{1CC7833F-CF16-47D6-8FD2-B060A6FD09F8}" srcOrd="4" destOrd="0" parTransId="{5FCF88EC-C279-4871-95A0-7620D8F784B0}" sibTransId="{C8BAEA03-0D81-4664-AFE1-4FA456D29AAD}"/>
+    <dgm:cxn modelId="{B37DBAE3-6238-4E94-87AA-27D01F142D24}" type="presOf" srcId="{E5D8C83C-7FD2-4F12-BC4B-753B499C9C06}" destId="{485ACDFA-FBBD-4E80-A390-9B7414E16CEE}" srcOrd="0" destOrd="0" presId="urn:microsoft.com/office/officeart/2008/layout/VerticalAccentList"/>
     <dgm:cxn modelId="{A4E90CEF-17F3-4DDC-AD51-1AE73774C022}" srcId="{7F30C485-6013-4DBD-AB31-3572604D921C}" destId="{F4594F5B-68AE-499E-A429-FFF88A9FEB30}" srcOrd="1" destOrd="0" parTransId="{8CDA4C7A-8AB9-46BF-A0AE-9A0F7CDB5F7F}" sibTransId="{B0E076BC-954C-47D8-A7DB-F38D1A393246}"/>
-    <dgm:cxn modelId="{69E6F39F-B623-48F7-AA7B-5FBA83BA6FEE}" type="presOf" srcId="{1760023A-BC79-4C67-BB14-00F8A0FEB625}" destId="{AA180962-C0F5-4CF2-8C6A-C3C5B9B8E653}" srcOrd="0" destOrd="0" presId="urn:microsoft.com/office/officeart/2008/layout/VerticalAccentList"/>
-    <dgm:cxn modelId="{CF3F157A-D1B5-45D2-ADEC-0AE46AAE822A}" type="presOf" srcId="{F4594F5B-68AE-499E-A429-FFF88A9FEB30}" destId="{7E241C9F-451A-4108-8E6F-1F6D79F1B320}" srcOrd="0" destOrd="0" presId="urn:microsoft.com/office/officeart/2008/layout/VerticalAccentList"/>
-    <dgm:cxn modelId="{6BEF50ED-DEFC-4E73-BF37-0AE050E3A4F4}" type="presOf" srcId="{7F30C485-6013-4DBD-AB31-3572604D921C}" destId="{4E556BD5-87AD-44CF-86BF-F6ED9A06D68F}" srcOrd="0" destOrd="0" presId="urn:microsoft.com/office/officeart/2008/layout/VerticalAccentList"/>
-    <dgm:cxn modelId="{77028357-4736-4DC5-8AC4-18B19E1012D2}" srcId="{E5D8C83C-7FD2-4F12-BC4B-753B499C9C06}" destId="{0A7404B2-DA8A-4703-9661-E97E29F09E22}" srcOrd="0" destOrd="0" parTransId="{DDF28E27-9826-4D96-834F-785BE1F01303}" sibTransId="{29D2BC39-A4CA-49E1-9DA5-CBB504E7E5D4}"/>
-    <dgm:cxn modelId="{731CD31F-B00D-4A1F-9C95-2D4F014A38C4}" srcId="{1CC7833F-CF16-47D6-8FD2-B060A6FD09F8}" destId="{0EE833BA-DC2E-4684-B61C-A8F3BE89F279}" srcOrd="0" destOrd="0" parTransId="{291016F5-9D7D-41CF-8D8F-35493DAD3243}" sibTransId="{C065C0F1-778D-4A89-8883-99DDD0777460}"/>
-    <dgm:cxn modelId="{C83196C6-5ED8-41E6-A9A2-153F5F84B4F1}" type="presOf" srcId="{3D0A9087-9BD6-4BAF-983B-77C7B27E16C3}" destId="{C3E261D1-B224-4334-BD46-F0E7C05B3B0E}" srcOrd="0" destOrd="0" presId="urn:microsoft.com/office/officeart/2008/layout/VerticalAccentList"/>
     <dgm:cxn modelId="{2FB9719D-7434-40F8-B443-D2FD67337D02}" srcId="{7F30C485-6013-4DBD-AB31-3572604D921C}" destId="{E5D8C83C-7FD2-4F12-BC4B-753B499C9C06}" srcOrd="3" destOrd="0" parTransId="{42CA8D7F-75EE-4CCD-B3A0-C27178BFF3B1}" sibTransId="{10F74925-ABAD-4755-B6B3-B95BFDDE67DC}"/>
-    <dgm:cxn modelId="{B37DBAE3-6238-4E94-87AA-27D01F142D24}" type="presOf" srcId="{E5D8C83C-7FD2-4F12-BC4B-753B499C9C06}" destId="{485ACDFA-FBBD-4E80-A390-9B7414E16CEE}" srcOrd="0" destOrd="0" presId="urn:microsoft.com/office/officeart/2008/layout/VerticalAccentList"/>
-    <dgm:cxn modelId="{82471FB4-269A-4FF2-80FA-17C04198E584}" type="presOf" srcId="{0A7404B2-DA8A-4703-9661-E97E29F09E22}" destId="{E8333E1A-BAFC-4F4E-9A75-A73562A5A0DD}" srcOrd="0" destOrd="0" presId="urn:microsoft.com/office/officeart/2008/layout/VerticalAccentList"/>
-    <dgm:cxn modelId="{75BE39F9-A2D5-4316-ABD4-3BA8387DC27F}" type="presOf" srcId="{0EE833BA-DC2E-4684-B61C-A8F3BE89F279}" destId="{417177FE-6471-492A-B841-E97BBEB977D4}" srcOrd="0" destOrd="0" presId="urn:microsoft.com/office/officeart/2008/layout/VerticalAccentList"/>
-    <dgm:cxn modelId="{8DE9746B-4E9A-468C-9E33-7452EE4B0460}" type="presOf" srcId="{F7E6F47B-58D0-4EFB-91E7-1E6F59565DB4}" destId="{191B2BC1-6DC0-46F0-BFAE-9C11B19F07C6}" srcOrd="0" destOrd="0" presId="urn:microsoft.com/office/officeart/2008/layout/VerticalAccentList"/>
     <dgm:cxn modelId="{85BF6747-0B8E-45F3-8841-C6E4BF7D093B}" srcId="{1760023A-BC79-4C67-BB14-00F8A0FEB625}" destId="{F7E6F47B-58D0-4EFB-91E7-1E6F59565DB4}" srcOrd="0" destOrd="0" parTransId="{1D4D69E7-3928-469A-AF62-E6A4025E63E3}" sibTransId="{60C9B734-BFB5-4A93-BEAB-EFEE15CBDF6D}"/>
-    <dgm:cxn modelId="{C7013219-863D-44C5-8E3D-4C02771FBAEC}" type="presOf" srcId="{2D4E1E6E-25B5-450B-B8D1-9F8635DB53AC}" destId="{29B34C47-B0B3-418E-87E3-1C370A2C3F89}" srcOrd="0" destOrd="0" presId="urn:microsoft.com/office/officeart/2008/layout/VerticalAccentList"/>
-    <dgm:cxn modelId="{2C9D1E58-BF07-42E9-94EF-3FD6B88E7C65}" type="presOf" srcId="{4EA6E689-934F-4061-A137-F0B8397D39C0}" destId="{0111D0D1-8CE6-4D77-9EC2-BCED81B973DB}" srcOrd="0" destOrd="0" presId="urn:microsoft.com/office/officeart/2008/layout/VerticalAccentList"/>
-    <dgm:cxn modelId="{505498FB-277F-4F32-AAA5-D66A682FABEE}" srcId="{2D4E1E6E-25B5-450B-B8D1-9F8635DB53AC}" destId="{3D0A9087-9BD6-4BAF-983B-77C7B27E16C3}" srcOrd="0" destOrd="0" parTransId="{9AF58B11-6701-4870-9D1C-36B1852AE37D}" sibTransId="{BA369EF8-C2A5-4B8D-BEB1-F64A929EBC01}"/>
-    <dgm:cxn modelId="{48479A61-47F4-4F31-80F7-0D91072B046B}" srcId="{7F30C485-6013-4DBD-AB31-3572604D921C}" destId="{1CC7833F-CF16-47D6-8FD2-B060A6FD09F8}" srcOrd="4" destOrd="0" parTransId="{5FCF88EC-C279-4871-95A0-7620D8F784B0}" sibTransId="{C8BAEA03-0D81-4664-AFE1-4FA456D29AAD}"/>
-    <dgm:cxn modelId="{81583C5E-997F-4D8F-AB94-089A4BB77B95}" srcId="{7F30C485-6013-4DBD-AB31-3572604D921C}" destId="{2D4E1E6E-25B5-450B-B8D1-9F8635DB53AC}" srcOrd="0" destOrd="0" parTransId="{FFDE58D1-9F8D-423F-B6B7-362D13B2F10C}" sibTransId="{4B021559-284C-439A-8847-DB1347BD0EBD}"/>
-    <dgm:cxn modelId="{3E824E71-D19A-48CF-9902-0B31BB097E55}" type="presOf" srcId="{1CC7833F-CF16-47D6-8FD2-B060A6FD09F8}" destId="{15027F8D-D511-4CB9-8A12-0B8D1F80C0BA}" srcOrd="0" destOrd="0" presId="urn:microsoft.com/office/officeart/2008/layout/VerticalAccentList"/>
-    <dgm:cxn modelId="{0E7DBAE6-9477-4BE8-8563-7A589B069140}" srcId="{7F30C485-6013-4DBD-AB31-3572604D921C}" destId="{1760023A-BC79-4C67-BB14-00F8A0FEB625}" srcOrd="2" destOrd="0" parTransId="{A74110C5-1998-493C-89D6-BF76DD071CDB}" sibTransId="{56132FF5-F7E6-4107-86E7-8E2F6B9944CD}"/>
     <dgm:cxn modelId="{24F0E82E-C187-4F7F-B7D4-EE70935CEB5D}" type="presParOf" srcId="{4E556BD5-87AD-44CF-86BF-F6ED9A06D68F}" destId="{A48281B0-68E7-4AD3-BBAF-8C045F44387F}" srcOrd="0" destOrd="0" presId="urn:microsoft.com/office/officeart/2008/layout/VerticalAccentList"/>
     <dgm:cxn modelId="{AB9FDE40-C6BB-444D-BE4F-F4AAAC6F7E9F}" type="presParOf" srcId="{A48281B0-68E7-4AD3-BBAF-8C045F44387F}" destId="{29B34C47-B0B3-418E-87E3-1C370A2C3F89}" srcOrd="0" destOrd="0" presId="urn:microsoft.com/office/officeart/2008/layout/VerticalAccentList"/>
     <dgm:cxn modelId="{FAB3C884-C3CD-4DDA-88FB-5DFEC44BE2BE}" type="presParOf" srcId="{4E556BD5-87AD-44CF-86BF-F6ED9A06D68F}" destId="{E42EF255-E59D-410A-AD68-DBBBB5291D09}" srcOrd="1" destOrd="0" presId="urn:microsoft.com/office/officeart/2008/layout/VerticalAccentList"/>
@@ -7154,85 +7204,654 @@
           <a:lstStyle/>
           <a:p>
             <a:r>
-              <a:rPr lang="vi-VN" sz="1200" b="1" i="0" u="sng" kern="1200" dirty="0" smtClean="0">
-                <a:solidFill>
-                  <a:schemeClr val="tx1"/>
-                </a:solidFill>
-                <a:effectLst/>
-                <a:latin typeface="+mn-lt"/>
-                <a:ea typeface="+mn-ea"/>
-                <a:cs typeface="+mn-cs"/>
-              </a:rPr>
-              <a:t>Phát biểu:</a:t>
-            </a:r>
-            <a:r>
-              <a:rPr lang="vi-VN" sz="1200" b="0" i="0" kern="1200" dirty="0" smtClean="0">
-                <a:solidFill>
-                  <a:schemeClr val="tx1"/>
-                </a:solidFill>
-                <a:effectLst/>
-                <a:latin typeface="+mn-lt"/>
-                <a:ea typeface="+mn-ea"/>
-                <a:cs typeface="+mn-cs"/>
-              </a:rPr>
-              <a:t> </a:t>
-            </a:r>
-            <a:r>
-              <a:rPr lang="vi-VN" sz="1200" b="1" i="1" kern="1200" dirty="0" smtClean="0">
-                <a:solidFill>
-                  <a:schemeClr val="tx1"/>
-                </a:solidFill>
-                <a:effectLst/>
-                <a:latin typeface="+mn-lt"/>
-                <a:ea typeface="+mn-ea"/>
-                <a:cs typeface="+mn-cs"/>
-              </a:rPr>
-              <a:t>Module cấp cao sẽ không phụ thuộc vào module cấp thấp. Cả hai sẽ phụ thuộc vào sự trừu tượng. Sự trừu tượng sẽ không phụ thuộc vào chi tiết, chi tiết sẽ phụ thuộc vào sự trừu tượng.</a:t>
-            </a:r>
-            <a:r>
-              <a:rPr lang="vi-VN" dirty="0" smtClean="0"/>
-              <a:t/>
-            </a:r>
-            <a:br>
-              <a:rPr lang="vi-VN" dirty="0" smtClean="0"/>
-            </a:br>
-            <a:r>
-              <a:rPr lang="vi-VN" dirty="0" smtClean="0"/>
-              <a:t/>
-            </a:r>
-            <a:br>
-              <a:rPr lang="vi-VN" dirty="0" smtClean="0"/>
-            </a:br>
-            <a:r>
-              <a:rPr lang="vi-VN" sz="1200" b="0" i="0" kern="1200" dirty="0" smtClean="0">
-                <a:solidFill>
-                  <a:schemeClr val="tx1"/>
-                </a:solidFill>
-                <a:effectLst/>
-                <a:latin typeface="+mn-lt"/>
-                <a:ea typeface="+mn-ea"/>
-                <a:cs typeface="+mn-cs"/>
-              </a:rPr>
-              <a:t>Theo nguyên tắc này thì chúng ta sẽ tách riêng module cấp cao và module cấp thấp, đưa ra một tầng trừu tượng giữa các lớp cấp cao và các lớp cấp thấp. Thay vì chúng ta viết tầng trừu tượng dựa trên chi tiết thì chúng ta nên viết chi tiết dựa trên tầng trừu tượng.</a:t>
-            </a:r>
-            <a:r>
-              <a:rPr lang="vi-VN" dirty="0" smtClean="0"/>
-              <a:t/>
-            </a:r>
-            <a:br>
-              <a:rPr lang="vi-VN" dirty="0" smtClean="0"/>
-            </a:br>
-            <a:r>
-              <a:rPr lang="vi-VN" sz="1200" b="0" i="0" kern="1200" dirty="0" smtClean="0">
-                <a:solidFill>
-                  <a:schemeClr val="tx1"/>
-                </a:solidFill>
-                <a:effectLst/>
-                <a:latin typeface="+mn-lt"/>
-                <a:ea typeface="+mn-ea"/>
-                <a:cs typeface="+mn-cs"/>
-              </a:rPr>
-              <a:t>Theo cách thông thường, khi muốn sử dụng một lớp khác trong lớp hiện tại, chúng ta sẽ khởi tạo và sử dụng trực tiếp lớp đó. Điều này sẽ tạo liên kết chặt chẽ giữa hai lớp và làm cho phần mềm mất đi tính linh hoạt, khó bảo trì. Thay vào đó chúng ta nên đưa lớp khác vào lớp hiện tại dưới dạng thuộc tính hoặc đối số truyền vào phương thức và một module kiểm soát phụ thuộc sẽ cung cấp thể hiện của lớp khác đó.</a:t>
+              <a:rPr lang="en-US" dirty="0" smtClean="0"/>
+              <a:t>4. </a:t>
+            </a:r>
+            <a:r>
+              <a:rPr lang="en-US" dirty="0" err="1" smtClean="0"/>
+              <a:t>Nguyên</a:t>
+            </a:r>
+            <a:r>
+              <a:rPr lang="en-US" dirty="0" smtClean="0"/>
+              <a:t> </a:t>
+            </a:r>
+            <a:r>
+              <a:rPr lang="en-US" dirty="0" err="1" smtClean="0"/>
+              <a:t>tắc</a:t>
+            </a:r>
+            <a:r>
+              <a:rPr lang="en-US" dirty="0" smtClean="0"/>
+              <a:t> chia </a:t>
+            </a:r>
+            <a:r>
+              <a:rPr lang="en-US" dirty="0" err="1" smtClean="0"/>
+              <a:t>tách</a:t>
+            </a:r>
+            <a:r>
+              <a:rPr lang="en-US" dirty="0" smtClean="0"/>
+              <a:t> </a:t>
+            </a:r>
+            <a:r>
+              <a:rPr lang="en-US" dirty="0" err="1" smtClean="0"/>
+              <a:t>giao</a:t>
+            </a:r>
+            <a:r>
+              <a:rPr lang="en-US" dirty="0" smtClean="0"/>
+              <a:t> </a:t>
+            </a:r>
+            <a:r>
+              <a:rPr lang="en-US" dirty="0" err="1" smtClean="0"/>
+              <a:t>diện</a:t>
+            </a:r>
+            <a:r>
+              <a:rPr lang="en-US" dirty="0" smtClean="0"/>
+              <a:t> (Interface segregation principle - I)</a:t>
+            </a:r>
+          </a:p>
+          <a:p>
+            <a:endParaRPr lang="en-US" dirty="0" smtClean="0"/>
+          </a:p>
+          <a:p>
+            <a:r>
+              <a:rPr lang="en-US" dirty="0" err="1" smtClean="0"/>
+              <a:t>Phát</a:t>
+            </a:r>
+            <a:r>
+              <a:rPr lang="en-US" dirty="0" smtClean="0"/>
+              <a:t> </a:t>
+            </a:r>
+            <a:r>
+              <a:rPr lang="en-US" dirty="0" err="1" smtClean="0"/>
+              <a:t>biểu</a:t>
+            </a:r>
+            <a:r>
+              <a:rPr lang="en-US" dirty="0" smtClean="0"/>
+              <a:t>: </a:t>
+            </a:r>
+            <a:r>
+              <a:rPr lang="en-US" dirty="0" err="1" smtClean="0"/>
+              <a:t>Các</a:t>
+            </a:r>
+            <a:r>
+              <a:rPr lang="en-US" dirty="0" smtClean="0"/>
+              <a:t> </a:t>
+            </a:r>
+            <a:r>
+              <a:rPr lang="en-US" dirty="0" err="1" smtClean="0"/>
+              <a:t>lớp</a:t>
+            </a:r>
+            <a:r>
+              <a:rPr lang="en-US" dirty="0" smtClean="0"/>
+              <a:t> </a:t>
+            </a:r>
+            <a:r>
+              <a:rPr lang="en-US" dirty="0" err="1" smtClean="0"/>
+              <a:t>thực</a:t>
+            </a:r>
+            <a:r>
+              <a:rPr lang="en-US" dirty="0" smtClean="0"/>
+              <a:t> </a:t>
+            </a:r>
+            <a:r>
+              <a:rPr lang="en-US" dirty="0" err="1" smtClean="0"/>
+              <a:t>thi</a:t>
+            </a:r>
+            <a:r>
+              <a:rPr lang="en-US" dirty="0" smtClean="0"/>
+              <a:t> </a:t>
+            </a:r>
+            <a:r>
+              <a:rPr lang="en-US" dirty="0" err="1" smtClean="0"/>
+              <a:t>giao</a:t>
+            </a:r>
+            <a:r>
+              <a:rPr lang="en-US" dirty="0" smtClean="0"/>
+              <a:t> </a:t>
+            </a:r>
+            <a:r>
+              <a:rPr lang="en-US" dirty="0" err="1" smtClean="0"/>
+              <a:t>diện</a:t>
+            </a:r>
+            <a:r>
+              <a:rPr lang="en-US" dirty="0" smtClean="0"/>
+              <a:t> </a:t>
+            </a:r>
+            <a:r>
+              <a:rPr lang="en-US" dirty="0" err="1" smtClean="0"/>
+              <a:t>sẽ</a:t>
+            </a:r>
+            <a:r>
+              <a:rPr lang="en-US" dirty="0" smtClean="0"/>
+              <a:t> </a:t>
+            </a:r>
+            <a:r>
+              <a:rPr lang="en-US" dirty="0" err="1" smtClean="0"/>
+              <a:t>không</a:t>
+            </a:r>
+            <a:r>
+              <a:rPr lang="en-US" dirty="0" smtClean="0"/>
+              <a:t> </a:t>
+            </a:r>
+            <a:r>
+              <a:rPr lang="en-US" dirty="0" err="1" smtClean="0"/>
+              <a:t>bị</a:t>
+            </a:r>
+            <a:r>
+              <a:rPr lang="en-US" dirty="0" smtClean="0"/>
+              <a:t> </a:t>
+            </a:r>
+            <a:r>
+              <a:rPr lang="en-US" dirty="0" err="1" smtClean="0"/>
+              <a:t>bắt</a:t>
+            </a:r>
+            <a:r>
+              <a:rPr lang="en-US" dirty="0" smtClean="0"/>
+              <a:t> </a:t>
+            </a:r>
+            <a:r>
+              <a:rPr lang="en-US" dirty="0" err="1" smtClean="0"/>
+              <a:t>buộc</a:t>
+            </a:r>
+            <a:r>
+              <a:rPr lang="en-US" dirty="0" smtClean="0"/>
+              <a:t> </a:t>
+            </a:r>
+            <a:r>
+              <a:rPr lang="en-US" dirty="0" err="1" smtClean="0"/>
+              <a:t>phụ</a:t>
+            </a:r>
+            <a:r>
+              <a:rPr lang="en-US" dirty="0" smtClean="0"/>
+              <a:t> </a:t>
+            </a:r>
+            <a:r>
+              <a:rPr lang="en-US" dirty="0" err="1" smtClean="0"/>
+              <a:t>thuộc</a:t>
+            </a:r>
+            <a:r>
+              <a:rPr lang="en-US" dirty="0" smtClean="0"/>
+              <a:t> </a:t>
+            </a:r>
+            <a:r>
+              <a:rPr lang="en-US" dirty="0" err="1" smtClean="0"/>
+              <a:t>vào</a:t>
+            </a:r>
+            <a:r>
+              <a:rPr lang="en-US" dirty="0" smtClean="0"/>
+              <a:t> </a:t>
+            </a:r>
+            <a:r>
+              <a:rPr lang="en-US" dirty="0" err="1" smtClean="0"/>
+              <a:t>các</a:t>
+            </a:r>
+            <a:r>
+              <a:rPr lang="en-US" dirty="0" smtClean="0"/>
+              <a:t> </a:t>
+            </a:r>
+            <a:r>
+              <a:rPr lang="en-US" dirty="0" err="1" smtClean="0"/>
+              <a:t>thành</a:t>
+            </a:r>
+            <a:r>
+              <a:rPr lang="en-US" dirty="0" smtClean="0"/>
+              <a:t> </a:t>
+            </a:r>
+            <a:r>
+              <a:rPr lang="en-US" dirty="0" err="1" smtClean="0"/>
+              <a:t>phần</a:t>
+            </a:r>
+            <a:r>
+              <a:rPr lang="en-US" dirty="0" smtClean="0"/>
+              <a:t> </a:t>
+            </a:r>
+            <a:r>
+              <a:rPr lang="en-US" dirty="0" err="1" smtClean="0"/>
+              <a:t>của</a:t>
+            </a:r>
+            <a:r>
+              <a:rPr lang="en-US" dirty="0" smtClean="0"/>
+              <a:t> </a:t>
+            </a:r>
+            <a:r>
+              <a:rPr lang="en-US" dirty="0" err="1" smtClean="0"/>
+              <a:t>giao</a:t>
+            </a:r>
+            <a:r>
+              <a:rPr lang="en-US" dirty="0" smtClean="0"/>
+              <a:t> </a:t>
+            </a:r>
+            <a:r>
+              <a:rPr lang="en-US" dirty="0" err="1" smtClean="0"/>
+              <a:t>diện</a:t>
+            </a:r>
+            <a:r>
+              <a:rPr lang="en-US" dirty="0" smtClean="0"/>
+              <a:t> </a:t>
+            </a:r>
+            <a:r>
+              <a:rPr lang="en-US" dirty="0" err="1" smtClean="0"/>
+              <a:t>mà</a:t>
+            </a:r>
+            <a:r>
+              <a:rPr lang="en-US" dirty="0" smtClean="0"/>
+              <a:t> </a:t>
+            </a:r>
+            <a:r>
+              <a:rPr lang="en-US" dirty="0" err="1" smtClean="0"/>
+              <a:t>nó</a:t>
+            </a:r>
+            <a:r>
+              <a:rPr lang="en-US" dirty="0" smtClean="0"/>
+              <a:t> </a:t>
+            </a:r>
+            <a:r>
+              <a:rPr lang="en-US" dirty="0" err="1" smtClean="0"/>
+              <a:t>không</a:t>
+            </a:r>
+            <a:r>
+              <a:rPr lang="en-US" dirty="0" smtClean="0"/>
+              <a:t> </a:t>
+            </a:r>
+            <a:r>
+              <a:rPr lang="en-US" dirty="0" err="1" smtClean="0"/>
+              <a:t>sử</a:t>
+            </a:r>
+            <a:r>
+              <a:rPr lang="en-US" dirty="0" smtClean="0"/>
+              <a:t> </a:t>
+            </a:r>
+            <a:r>
+              <a:rPr lang="en-US" dirty="0" err="1" smtClean="0"/>
+              <a:t>dụng</a:t>
+            </a:r>
+            <a:r>
+              <a:rPr lang="en-US" dirty="0" smtClean="0"/>
+              <a:t>.</a:t>
+            </a:r>
+          </a:p>
+          <a:p>
+            <a:endParaRPr lang="en-US" dirty="0" smtClean="0"/>
+          </a:p>
+          <a:p>
+            <a:r>
+              <a:rPr lang="en-US" dirty="0" smtClean="0"/>
+              <a:t>Theo </a:t>
+            </a:r>
+            <a:r>
+              <a:rPr lang="en-US" dirty="0" err="1" smtClean="0"/>
+              <a:t>nguyên</a:t>
+            </a:r>
+            <a:r>
+              <a:rPr lang="en-US" dirty="0" smtClean="0"/>
+              <a:t> </a:t>
+            </a:r>
+            <a:r>
+              <a:rPr lang="en-US" dirty="0" err="1" smtClean="0"/>
+              <a:t>tắc</a:t>
+            </a:r>
+            <a:r>
+              <a:rPr lang="en-US" dirty="0" smtClean="0"/>
+              <a:t> </a:t>
+            </a:r>
+            <a:r>
+              <a:rPr lang="en-US" dirty="0" err="1" smtClean="0"/>
+              <a:t>này</a:t>
+            </a:r>
+            <a:r>
+              <a:rPr lang="en-US" dirty="0" smtClean="0"/>
+              <a:t> </a:t>
+            </a:r>
+            <a:r>
+              <a:rPr lang="en-US" dirty="0" err="1" smtClean="0"/>
+              <a:t>thì</a:t>
+            </a:r>
+            <a:r>
+              <a:rPr lang="en-US" dirty="0" smtClean="0"/>
+              <a:t> </a:t>
+            </a:r>
+            <a:r>
+              <a:rPr lang="en-US" dirty="0" err="1" smtClean="0"/>
+              <a:t>nếu</a:t>
+            </a:r>
+            <a:r>
+              <a:rPr lang="en-US" dirty="0" smtClean="0"/>
+              <a:t> </a:t>
+            </a:r>
+            <a:r>
+              <a:rPr lang="en-US" dirty="0" err="1" smtClean="0"/>
+              <a:t>giao</a:t>
+            </a:r>
+            <a:r>
+              <a:rPr lang="en-US" dirty="0" smtClean="0"/>
+              <a:t> </a:t>
+            </a:r>
+            <a:r>
+              <a:rPr lang="en-US" dirty="0" err="1" smtClean="0"/>
+              <a:t>diện</a:t>
+            </a:r>
+            <a:r>
+              <a:rPr lang="en-US" dirty="0" smtClean="0"/>
+              <a:t> (interface) </a:t>
+            </a:r>
+            <a:r>
+              <a:rPr lang="en-US" dirty="0" err="1" smtClean="0"/>
+              <a:t>của</a:t>
+            </a:r>
+            <a:r>
+              <a:rPr lang="en-US" dirty="0" smtClean="0"/>
+              <a:t> </a:t>
+            </a:r>
+            <a:r>
+              <a:rPr lang="en-US" dirty="0" err="1" smtClean="0"/>
+              <a:t>bạn</a:t>
+            </a:r>
+            <a:r>
+              <a:rPr lang="en-US" dirty="0" smtClean="0"/>
+              <a:t> </a:t>
+            </a:r>
+            <a:r>
+              <a:rPr lang="en-US" dirty="0" err="1" smtClean="0"/>
+              <a:t>có</a:t>
+            </a:r>
+            <a:r>
+              <a:rPr lang="en-US" dirty="0" smtClean="0"/>
+              <a:t> </a:t>
+            </a:r>
+            <a:r>
+              <a:rPr lang="en-US" dirty="0" err="1" smtClean="0"/>
+              <a:t>những</a:t>
+            </a:r>
+            <a:r>
+              <a:rPr lang="en-US" dirty="0" smtClean="0"/>
+              <a:t> </a:t>
+            </a:r>
+            <a:r>
+              <a:rPr lang="en-US" dirty="0" err="1" smtClean="0"/>
+              <a:t>thành</a:t>
+            </a:r>
+            <a:r>
+              <a:rPr lang="en-US" dirty="0" smtClean="0"/>
+              <a:t> </a:t>
+            </a:r>
+            <a:r>
+              <a:rPr lang="en-US" dirty="0" err="1" smtClean="0"/>
+              <a:t>phần</a:t>
+            </a:r>
+            <a:r>
+              <a:rPr lang="en-US" dirty="0" smtClean="0"/>
+              <a:t> </a:t>
+            </a:r>
+            <a:r>
+              <a:rPr lang="en-US" dirty="0" err="1" smtClean="0"/>
+              <a:t>mà</a:t>
+            </a:r>
+            <a:r>
+              <a:rPr lang="en-US" dirty="0" smtClean="0"/>
+              <a:t> </a:t>
+            </a:r>
+            <a:r>
+              <a:rPr lang="en-US" dirty="0" err="1" smtClean="0"/>
+              <a:t>lớp</a:t>
+            </a:r>
+            <a:r>
+              <a:rPr lang="en-US" dirty="0" smtClean="0"/>
+              <a:t> </a:t>
+            </a:r>
+            <a:r>
+              <a:rPr lang="en-US" dirty="0" err="1" smtClean="0"/>
+              <a:t>thực</a:t>
+            </a:r>
+            <a:r>
+              <a:rPr lang="en-US" dirty="0" smtClean="0"/>
+              <a:t> </a:t>
+            </a:r>
+            <a:r>
+              <a:rPr lang="en-US" dirty="0" err="1" smtClean="0"/>
+              <a:t>thi</a:t>
+            </a:r>
+            <a:r>
+              <a:rPr lang="en-US" dirty="0" smtClean="0"/>
+              <a:t> (implement) </a:t>
+            </a:r>
+            <a:r>
+              <a:rPr lang="en-US" dirty="0" err="1" smtClean="0"/>
+              <a:t>giao</a:t>
+            </a:r>
+            <a:r>
+              <a:rPr lang="en-US" dirty="0" smtClean="0"/>
+              <a:t> </a:t>
+            </a:r>
+            <a:r>
+              <a:rPr lang="en-US" dirty="0" err="1" smtClean="0"/>
+              <a:t>diện</a:t>
+            </a:r>
+            <a:r>
+              <a:rPr lang="en-US" dirty="0" smtClean="0"/>
+              <a:t> </a:t>
+            </a:r>
+            <a:r>
+              <a:rPr lang="en-US" dirty="0" err="1" smtClean="0"/>
+              <a:t>không</a:t>
+            </a:r>
+            <a:r>
+              <a:rPr lang="en-US" dirty="0" smtClean="0"/>
+              <a:t> </a:t>
+            </a:r>
+            <a:r>
+              <a:rPr lang="en-US" dirty="0" err="1" smtClean="0"/>
+              <a:t>sử</a:t>
+            </a:r>
+            <a:r>
+              <a:rPr lang="en-US" dirty="0" smtClean="0"/>
+              <a:t> </a:t>
+            </a:r>
+            <a:r>
+              <a:rPr lang="en-US" dirty="0" err="1" smtClean="0"/>
+              <a:t>dụng</a:t>
+            </a:r>
+            <a:r>
+              <a:rPr lang="en-US" dirty="0" smtClean="0"/>
+              <a:t> </a:t>
+            </a:r>
+            <a:r>
+              <a:rPr lang="en-US" dirty="0" err="1" smtClean="0"/>
+              <a:t>tới</a:t>
+            </a:r>
+            <a:r>
+              <a:rPr lang="en-US" dirty="0" smtClean="0"/>
+              <a:t> </a:t>
+            </a:r>
+            <a:r>
+              <a:rPr lang="en-US" dirty="0" err="1" smtClean="0"/>
+              <a:t>thì</a:t>
+            </a:r>
+            <a:r>
+              <a:rPr lang="en-US" dirty="0" smtClean="0"/>
+              <a:t> </a:t>
+            </a:r>
+            <a:r>
+              <a:rPr lang="en-US" dirty="0" err="1" smtClean="0"/>
+              <a:t>bạn</a:t>
+            </a:r>
+            <a:r>
+              <a:rPr lang="en-US" dirty="0" smtClean="0"/>
+              <a:t> </a:t>
+            </a:r>
+            <a:r>
+              <a:rPr lang="en-US" dirty="0" err="1" smtClean="0"/>
+              <a:t>nên</a:t>
+            </a:r>
+            <a:r>
+              <a:rPr lang="en-US" dirty="0" smtClean="0"/>
+              <a:t> </a:t>
+            </a:r>
+            <a:r>
+              <a:rPr lang="en-US" dirty="0" err="1" smtClean="0"/>
+              <a:t>tách</a:t>
+            </a:r>
+            <a:r>
+              <a:rPr lang="en-US" dirty="0" smtClean="0"/>
+              <a:t> interface </a:t>
+            </a:r>
+            <a:r>
+              <a:rPr lang="en-US" dirty="0" err="1" smtClean="0"/>
+              <a:t>này</a:t>
+            </a:r>
+            <a:r>
+              <a:rPr lang="en-US" dirty="0" smtClean="0"/>
+              <a:t> </a:t>
+            </a:r>
+            <a:r>
+              <a:rPr lang="en-US" dirty="0" err="1" smtClean="0"/>
+              <a:t>thành</a:t>
+            </a:r>
+            <a:r>
+              <a:rPr lang="en-US" dirty="0" smtClean="0"/>
+              <a:t> </a:t>
+            </a:r>
+            <a:r>
+              <a:rPr lang="en-US" dirty="0" err="1" smtClean="0"/>
+              <a:t>các</a:t>
+            </a:r>
+            <a:r>
+              <a:rPr lang="en-US" dirty="0" smtClean="0"/>
+              <a:t> interface </a:t>
+            </a:r>
+            <a:r>
+              <a:rPr lang="en-US" dirty="0" err="1" smtClean="0"/>
+              <a:t>khác</a:t>
+            </a:r>
+            <a:r>
+              <a:rPr lang="en-US" dirty="0" smtClean="0"/>
+              <a:t> </a:t>
+            </a:r>
+            <a:r>
+              <a:rPr lang="en-US" dirty="0" err="1" smtClean="0"/>
+              <a:t>nhau</a:t>
+            </a:r>
+            <a:r>
+              <a:rPr lang="en-US" dirty="0" smtClean="0"/>
+              <a:t>. Sao </a:t>
+            </a:r>
+            <a:r>
+              <a:rPr lang="en-US" dirty="0" err="1" smtClean="0"/>
+              <a:t>cho</a:t>
+            </a:r>
+            <a:r>
+              <a:rPr lang="en-US" dirty="0" smtClean="0"/>
+              <a:t> </a:t>
+            </a:r>
+            <a:r>
+              <a:rPr lang="en-US" dirty="0" err="1" smtClean="0"/>
+              <a:t>lớp</a:t>
+            </a:r>
+            <a:r>
+              <a:rPr lang="en-US" dirty="0" smtClean="0"/>
+              <a:t> </a:t>
+            </a:r>
+            <a:r>
+              <a:rPr lang="en-US" dirty="0" err="1" smtClean="0"/>
+              <a:t>thực</a:t>
+            </a:r>
+            <a:r>
+              <a:rPr lang="en-US" dirty="0" smtClean="0"/>
+              <a:t> </a:t>
+            </a:r>
+            <a:r>
+              <a:rPr lang="en-US" dirty="0" err="1" smtClean="0"/>
+              <a:t>thi</a:t>
+            </a:r>
+            <a:r>
+              <a:rPr lang="en-US" dirty="0" smtClean="0"/>
+              <a:t> </a:t>
+            </a:r>
+            <a:r>
+              <a:rPr lang="en-US" dirty="0" err="1" smtClean="0"/>
+              <a:t>sử</a:t>
+            </a:r>
+            <a:r>
+              <a:rPr lang="en-US" dirty="0" smtClean="0"/>
+              <a:t> </a:t>
+            </a:r>
+            <a:r>
+              <a:rPr lang="en-US" dirty="0" err="1" smtClean="0"/>
+              <a:t>dụng</a:t>
+            </a:r>
+            <a:r>
+              <a:rPr lang="en-US" dirty="0" smtClean="0"/>
+              <a:t> </a:t>
+            </a:r>
+            <a:r>
+              <a:rPr lang="en-US" dirty="0" err="1" smtClean="0"/>
+              <a:t>hết</a:t>
+            </a:r>
+            <a:r>
+              <a:rPr lang="en-US" dirty="0" smtClean="0"/>
+              <a:t> </a:t>
+            </a:r>
+            <a:r>
+              <a:rPr lang="en-US" dirty="0" err="1" smtClean="0"/>
+              <a:t>các</a:t>
+            </a:r>
+            <a:r>
+              <a:rPr lang="en-US" dirty="0" smtClean="0"/>
+              <a:t> </a:t>
+            </a:r>
+            <a:r>
+              <a:rPr lang="en-US" dirty="0" err="1" smtClean="0"/>
+              <a:t>thành</a:t>
+            </a:r>
+            <a:r>
+              <a:rPr lang="en-US" dirty="0" smtClean="0"/>
+              <a:t> </a:t>
+            </a:r>
+            <a:r>
+              <a:rPr lang="en-US" dirty="0" err="1" smtClean="0"/>
+              <a:t>phần</a:t>
+            </a:r>
+            <a:r>
+              <a:rPr lang="en-US" dirty="0" smtClean="0"/>
+              <a:t> </a:t>
+            </a:r>
+            <a:r>
+              <a:rPr lang="en-US" dirty="0" err="1" smtClean="0"/>
+              <a:t>mà</a:t>
+            </a:r>
+            <a:r>
+              <a:rPr lang="en-US" dirty="0" smtClean="0"/>
+              <a:t> </a:t>
+            </a:r>
+            <a:r>
+              <a:rPr lang="en-US" dirty="0" err="1" smtClean="0"/>
+              <a:t>giao</a:t>
+            </a:r>
+            <a:r>
+              <a:rPr lang="en-US" dirty="0" smtClean="0"/>
+              <a:t> </a:t>
+            </a:r>
+            <a:r>
+              <a:rPr lang="en-US" dirty="0" err="1" smtClean="0"/>
+              <a:t>diện</a:t>
+            </a:r>
+            <a:r>
+              <a:rPr lang="en-US" dirty="0" smtClean="0"/>
+              <a:t> </a:t>
+            </a:r>
+            <a:r>
+              <a:rPr lang="en-US" dirty="0" err="1" smtClean="0"/>
+              <a:t>cung</a:t>
+            </a:r>
+            <a:r>
+              <a:rPr lang="en-US" dirty="0" smtClean="0"/>
+              <a:t> </a:t>
+            </a:r>
+            <a:r>
+              <a:rPr lang="en-US" dirty="0" err="1" smtClean="0"/>
+              <a:t>cấp</a:t>
+            </a:r>
+            <a:r>
+              <a:rPr lang="en-US" dirty="0" smtClean="0"/>
+              <a:t>.</a:t>
             </a:r>
             <a:endParaRPr lang="en-US" dirty="0"/>
           </a:p>
@@ -7439,6 +8058,171 @@
 </p:notes>
 </file>
 
+<file path=ppt/notesSlides/notesSlide13.xml><?xml version="1.0" encoding="utf-8"?>
+<p:notes xmlns:a="http://schemas.openxmlformats.org/drawingml/2006/main" xmlns:r="http://schemas.openxmlformats.org/officeDocument/2006/relationships" xmlns:p="http://schemas.openxmlformats.org/presentationml/2006/main">
+  <p:cSld>
+    <p:spTree>
+      <p:nvGrpSpPr>
+        <p:cNvPr id="1" name=""/>
+        <p:cNvGrpSpPr/>
+        <p:nvPr/>
+      </p:nvGrpSpPr>
+      <p:grpSpPr>
+        <a:xfrm>
+          <a:off x="0" y="0"/>
+          <a:ext cx="0" cy="0"/>
+          <a:chOff x="0" y="0"/>
+          <a:chExt cx="0" cy="0"/>
+        </a:xfrm>
+      </p:grpSpPr>
+      <p:sp>
+        <p:nvSpPr>
+          <p:cNvPr id="2" name="Slide Image Placeholder 1"/>
+          <p:cNvSpPr>
+            <a:spLocks noGrp="1" noRot="1" noChangeAspect="1"/>
+          </p:cNvSpPr>
+          <p:nvPr>
+            <p:ph type="sldImg"/>
+          </p:nvPr>
+        </p:nvSpPr>
+        <p:spPr/>
+      </p:sp>
+      <p:sp>
+        <p:nvSpPr>
+          <p:cNvPr id="3" name="Notes Placeholder 2"/>
+          <p:cNvSpPr>
+            <a:spLocks noGrp="1"/>
+          </p:cNvSpPr>
+          <p:nvPr>
+            <p:ph type="body" idx="1"/>
+          </p:nvPr>
+        </p:nvSpPr>
+        <p:spPr/>
+        <p:txBody>
+          <a:bodyPr/>
+          <a:lstStyle/>
+          <a:p>
+            <a:r>
+              <a:rPr lang="vi-VN" sz="1200" b="1" i="0" u="sng" kern="1200" dirty="0" smtClean="0">
+                <a:solidFill>
+                  <a:schemeClr val="tx1"/>
+                </a:solidFill>
+                <a:effectLst/>
+                <a:latin typeface="+mn-lt"/>
+                <a:ea typeface="+mn-ea"/>
+                <a:cs typeface="+mn-cs"/>
+              </a:rPr>
+              <a:t>Phát biểu:</a:t>
+            </a:r>
+            <a:r>
+              <a:rPr lang="vi-VN" sz="1200" b="0" i="0" kern="1200" dirty="0" smtClean="0">
+                <a:solidFill>
+                  <a:schemeClr val="tx1"/>
+                </a:solidFill>
+                <a:effectLst/>
+                <a:latin typeface="+mn-lt"/>
+                <a:ea typeface="+mn-ea"/>
+                <a:cs typeface="+mn-cs"/>
+              </a:rPr>
+              <a:t> </a:t>
+            </a:r>
+            <a:r>
+              <a:rPr lang="vi-VN" sz="1200" b="1" i="1" kern="1200" dirty="0" smtClean="0">
+                <a:solidFill>
+                  <a:schemeClr val="tx1"/>
+                </a:solidFill>
+                <a:effectLst/>
+                <a:latin typeface="+mn-lt"/>
+                <a:ea typeface="+mn-ea"/>
+                <a:cs typeface="+mn-cs"/>
+              </a:rPr>
+              <a:t>Module cấp cao sẽ không phụ thuộc vào module cấp thấp. Cả hai sẽ phụ thuộc vào sự trừu tượng. Sự trừu tượng sẽ không phụ thuộc vào chi tiết, chi tiết sẽ phụ thuộc vào sự trừu tượng.</a:t>
+            </a:r>
+            <a:r>
+              <a:rPr lang="vi-VN" dirty="0" smtClean="0"/>
+              <a:t/>
+            </a:r>
+            <a:br>
+              <a:rPr lang="vi-VN" dirty="0" smtClean="0"/>
+            </a:br>
+            <a:r>
+              <a:rPr lang="vi-VN" dirty="0" smtClean="0"/>
+              <a:t/>
+            </a:r>
+            <a:br>
+              <a:rPr lang="vi-VN" dirty="0" smtClean="0"/>
+            </a:br>
+            <a:r>
+              <a:rPr lang="vi-VN" sz="1200" b="0" i="0" kern="1200" dirty="0" smtClean="0">
+                <a:solidFill>
+                  <a:schemeClr val="tx1"/>
+                </a:solidFill>
+                <a:effectLst/>
+                <a:latin typeface="+mn-lt"/>
+                <a:ea typeface="+mn-ea"/>
+                <a:cs typeface="+mn-cs"/>
+              </a:rPr>
+              <a:t>Theo nguyên tắc này thì chúng ta sẽ tách riêng module cấp cao và module cấp thấp, đưa ra một tầng trừu tượng giữa các lớp cấp cao và các lớp cấp thấp. Thay vì chúng ta viết tầng trừu tượng dựa trên chi tiết thì chúng ta nên viết chi tiết dựa trên tầng trừu tượng.</a:t>
+            </a:r>
+            <a:r>
+              <a:rPr lang="vi-VN" dirty="0" smtClean="0"/>
+              <a:t/>
+            </a:r>
+            <a:br>
+              <a:rPr lang="vi-VN" dirty="0" smtClean="0"/>
+            </a:br>
+            <a:r>
+              <a:rPr lang="vi-VN" sz="1200" b="0" i="0" kern="1200" dirty="0" smtClean="0">
+                <a:solidFill>
+                  <a:schemeClr val="tx1"/>
+                </a:solidFill>
+                <a:effectLst/>
+                <a:latin typeface="+mn-lt"/>
+                <a:ea typeface="+mn-ea"/>
+                <a:cs typeface="+mn-cs"/>
+              </a:rPr>
+              <a:t>Theo cách thông thường, khi muốn sử dụng một lớp khác trong lớp hiện tại, chúng ta sẽ khởi tạo và sử dụng trực tiếp lớp đó. Điều này sẽ tạo liên kết chặt chẽ giữa hai lớp và làm cho phần mềm mất đi tính linh hoạt, khó bảo trì. Thay vào đó chúng ta nên đưa lớp khác vào lớp hiện tại dưới dạng thuộc tính hoặc đối số truyền vào phương thức và một module kiểm soát phụ thuộc sẽ cung cấp thể hiện của lớp khác đó.</a:t>
+            </a:r>
+            <a:endParaRPr lang="en-US" dirty="0"/>
+          </a:p>
+        </p:txBody>
+      </p:sp>
+      <p:sp>
+        <p:nvSpPr>
+          <p:cNvPr id="4" name="Slide Number Placeholder 3"/>
+          <p:cNvSpPr>
+            <a:spLocks noGrp="1"/>
+          </p:cNvSpPr>
+          <p:nvPr>
+            <p:ph type="sldNum" sz="quarter" idx="10"/>
+          </p:nvPr>
+        </p:nvSpPr>
+        <p:spPr/>
+        <p:txBody>
+          <a:bodyPr/>
+          <a:lstStyle/>
+          <a:p>
+            <a:fld id="{901F0EFB-DA08-4A6E-A99B-CEEFA9BE5904}" type="slidenum">
+              <a:rPr lang="en-US" smtClean="0"/>
+              <a:t>15</a:t>
+            </a:fld>
+            <a:endParaRPr lang="en-US"/>
+          </a:p>
+        </p:txBody>
+      </p:sp>
+    </p:spTree>
+    <p:extLst>
+      <p:ext uri="{BB962C8B-B14F-4D97-AF65-F5344CB8AC3E}">
+        <p14:creationId xmlns:p14="http://schemas.microsoft.com/office/powerpoint/2010/main" val="466881124"/>
+      </p:ext>
+    </p:extLst>
+  </p:cSld>
+  <p:clrMapOvr>
+    <a:masterClrMapping/>
+  </p:clrMapOvr>
+</p:notes>
+</file>
+
 <file path=ppt/notesSlides/notesSlide2.xml><?xml version="1.0" encoding="utf-8"?>
 <p:notes xmlns:a="http://schemas.openxmlformats.org/drawingml/2006/main" xmlns:r="http://schemas.openxmlformats.org/officeDocument/2006/relationships" xmlns:p="http://schemas.openxmlformats.org/presentationml/2006/main">
   <p:cSld>
@@ -7670,7 +8454,7 @@
                 <a:ea typeface="+mn-ea"/>
                 <a:cs typeface="+mn-cs"/>
               </a:rPr>
-              <a:t>MỞ cho phần mở rộng nhưng ĐÓNG cho phần thay đổi.</a:t>
+              <a:t>Mỗi lớp chỉ nên có một lý do để thay đổi.</a:t>
             </a:r>
             <a:r>
               <a:rPr lang="vi-VN" dirty="0" smtClean="0"/>
@@ -7696,8 +8480,15 @@
                 <a:ea typeface="+mn-ea"/>
                 <a:cs typeface="+mn-cs"/>
               </a:rPr>
-              <a:t>Theo phát biểu này thì chúng ta chỉ được thêm các phần mở rộng (extension) cho các thành phần như lớp, module, chức năng, và không được chỉnh sửa các đoạn mã đã được viết.</a:t>
-            </a:r>
+              <a:t>Theo phát biểu này thì đơn trách nhiệm chính là chỉ có một lý do để thay đổi. Nguyên tắc này nói rằng nếu chúng ta có 2 lý do để thay đổi một lớp thì chúng ta phải chia lớp hiện tại thành hai lớp. Mỗi lớp sẽ chỉ đảm nhiệm một trách nhiệm.</a:t>
+            </a:r>
+            <a:r>
+              <a:rPr lang="vi-VN" dirty="0" smtClean="0"/>
+              <a:t/>
+            </a:r>
+            <a:br>
+              <a:rPr lang="vi-VN" dirty="0" smtClean="0"/>
+            </a:br>
             <a:endParaRPr lang="en-US" dirty="0"/>
           </a:p>
         </p:txBody>
@@ -7962,7 +8753,7 @@
                 <a:ea typeface="+mn-ea"/>
                 <a:cs typeface="+mn-cs"/>
               </a:rPr>
-              <a:t>Các kiểu thừa kế phải thay thế hoàn toàn cho kiểu cơ bản của nó.</a:t>
+              <a:t>MỞ cho phần mở rộng nhưng ĐÓNG cho phần thay đổi.</a:t>
             </a:r>
             <a:r>
               <a:rPr lang="vi-VN" dirty="0" smtClean="0"/>
@@ -7988,7 +8779,7 @@
                 <a:ea typeface="+mn-ea"/>
                 <a:cs typeface="+mn-cs"/>
               </a:rPr>
-              <a:t>Nguyên tắc này chỉ là phần mở rộng của nguyên tắc mở - đóng, có nghĩa là chúng ta phải đảm bảo rằng các lớp thừa kế mới không được thay đổi hành vi của lớp cơ sở mà chúng kế thừa. Các lớp thừa kế có thể thay thế các lớp cơ sở mà không cần bất kỳ sự thay đổi nào trong mã nguồn.</a:t>
+              <a:t>Theo phát biểu này thì chúng ta chỉ được thêm các phần mở rộng (extension) cho các thành phần như lớp, module, chức năng, và không được chỉnh sửa các đoạn mã đã được viết.</a:t>
             </a:r>
             <a:endParaRPr lang="en-US" dirty="0"/>
           </a:p>
@@ -8134,19 +8925,7 @@
                 <a:ea typeface="+mn-ea"/>
                 <a:cs typeface="+mn-cs"/>
               </a:rPr>
-              <a:t>Nguyên tắc này chỉ là phần mở rộng của nguyên tắc mở - đóng, có nghĩa là chúng ta phải đảm bảo rằng các lớp thừa kế mới không được thay đổi hành vi của lớp cơ sở mà chúng kế thừa. </a:t>
-            </a:r>
-            <a:r>
-              <a:rPr lang="vi-VN" sz="1200" b="0" i="0" kern="1200" smtClean="0">
-                <a:solidFill>
-                  <a:schemeClr val="tx1"/>
-                </a:solidFill>
-                <a:effectLst/>
-                <a:latin typeface="+mn-lt"/>
-                <a:ea typeface="+mn-ea"/>
-                <a:cs typeface="+mn-cs"/>
-              </a:rPr>
-              <a:t>Các lớp thừa kế có thể thay thế các lớp cơ sở mà không cần bất kỳ sự thay đổi nào trong mã nguồn.</a:t>
+              <a:t>Nguyên tắc này chỉ là phần mở rộng của nguyên tắc mở - đóng, có nghĩa là chúng ta phải đảm bảo rằng các lớp thừa kế mới không được thay đổi hành vi của lớp cơ sở mà chúng kế thừa. Các lớp thừa kế có thể thay thế các lớp cơ sở mà không cần bất kỳ sự thay đổi nào trong mã nguồn.</a:t>
             </a:r>
             <a:endParaRPr lang="en-US" dirty="0"/>
           </a:p>
@@ -8549,654 +9328,78 @@
           <a:lstStyle/>
           <a:p>
             <a:r>
-              <a:rPr lang="en-US" dirty="0" smtClean="0"/>
-              <a:t>4. </a:t>
-            </a:r>
-            <a:r>
-              <a:rPr lang="en-US" dirty="0" err="1" smtClean="0"/>
-              <a:t>Nguyên</a:t>
-            </a:r>
-            <a:r>
-              <a:rPr lang="en-US" dirty="0" smtClean="0"/>
-              <a:t> </a:t>
-            </a:r>
-            <a:r>
-              <a:rPr lang="en-US" dirty="0" err="1" smtClean="0"/>
-              <a:t>tắc</a:t>
-            </a:r>
-            <a:r>
-              <a:rPr lang="en-US" dirty="0" smtClean="0"/>
-              <a:t> chia </a:t>
-            </a:r>
-            <a:r>
-              <a:rPr lang="en-US" dirty="0" err="1" smtClean="0"/>
-              <a:t>tách</a:t>
-            </a:r>
-            <a:r>
-              <a:rPr lang="en-US" dirty="0" smtClean="0"/>
-              <a:t> </a:t>
-            </a:r>
-            <a:r>
-              <a:rPr lang="en-US" dirty="0" err="1" smtClean="0"/>
-              <a:t>giao</a:t>
-            </a:r>
-            <a:r>
-              <a:rPr lang="en-US" dirty="0" smtClean="0"/>
-              <a:t> </a:t>
-            </a:r>
-            <a:r>
-              <a:rPr lang="en-US" dirty="0" err="1" smtClean="0"/>
-              <a:t>diện</a:t>
-            </a:r>
-            <a:r>
-              <a:rPr lang="en-US" dirty="0" smtClean="0"/>
-              <a:t> (Interface segregation principle - I)</a:t>
-            </a:r>
-          </a:p>
-          <a:p>
-            <a:endParaRPr lang="en-US" dirty="0" smtClean="0"/>
-          </a:p>
-          <a:p>
-            <a:r>
-              <a:rPr lang="en-US" dirty="0" err="1" smtClean="0"/>
-              <a:t>Phát</a:t>
-            </a:r>
-            <a:r>
-              <a:rPr lang="en-US" dirty="0" smtClean="0"/>
-              <a:t> </a:t>
-            </a:r>
-            <a:r>
-              <a:rPr lang="en-US" dirty="0" err="1" smtClean="0"/>
-              <a:t>biểu</a:t>
-            </a:r>
-            <a:r>
-              <a:rPr lang="en-US" dirty="0" smtClean="0"/>
-              <a:t>: </a:t>
-            </a:r>
-            <a:r>
-              <a:rPr lang="en-US" dirty="0" err="1" smtClean="0"/>
-              <a:t>Các</a:t>
-            </a:r>
-            <a:r>
-              <a:rPr lang="en-US" dirty="0" smtClean="0"/>
-              <a:t> </a:t>
-            </a:r>
-            <a:r>
-              <a:rPr lang="en-US" dirty="0" err="1" smtClean="0"/>
-              <a:t>lớp</a:t>
-            </a:r>
-            <a:r>
-              <a:rPr lang="en-US" dirty="0" smtClean="0"/>
-              <a:t> </a:t>
-            </a:r>
-            <a:r>
-              <a:rPr lang="en-US" dirty="0" err="1" smtClean="0"/>
-              <a:t>thực</a:t>
-            </a:r>
-            <a:r>
-              <a:rPr lang="en-US" dirty="0" smtClean="0"/>
-              <a:t> </a:t>
-            </a:r>
-            <a:r>
-              <a:rPr lang="en-US" dirty="0" err="1" smtClean="0"/>
-              <a:t>thi</a:t>
-            </a:r>
-            <a:r>
-              <a:rPr lang="en-US" dirty="0" smtClean="0"/>
-              <a:t> </a:t>
-            </a:r>
-            <a:r>
-              <a:rPr lang="en-US" dirty="0" err="1" smtClean="0"/>
-              <a:t>giao</a:t>
-            </a:r>
-            <a:r>
-              <a:rPr lang="en-US" dirty="0" smtClean="0"/>
-              <a:t> </a:t>
-            </a:r>
-            <a:r>
-              <a:rPr lang="en-US" dirty="0" err="1" smtClean="0"/>
-              <a:t>diện</a:t>
-            </a:r>
-            <a:r>
-              <a:rPr lang="en-US" dirty="0" smtClean="0"/>
-              <a:t> </a:t>
-            </a:r>
-            <a:r>
-              <a:rPr lang="en-US" dirty="0" err="1" smtClean="0"/>
-              <a:t>sẽ</a:t>
-            </a:r>
-            <a:r>
-              <a:rPr lang="en-US" dirty="0" smtClean="0"/>
-              <a:t> </a:t>
-            </a:r>
-            <a:r>
-              <a:rPr lang="en-US" dirty="0" err="1" smtClean="0"/>
-              <a:t>không</a:t>
-            </a:r>
-            <a:r>
-              <a:rPr lang="en-US" dirty="0" smtClean="0"/>
-              <a:t> </a:t>
-            </a:r>
-            <a:r>
-              <a:rPr lang="en-US" dirty="0" err="1" smtClean="0"/>
-              <a:t>bị</a:t>
-            </a:r>
-            <a:r>
-              <a:rPr lang="en-US" dirty="0" smtClean="0"/>
-              <a:t> </a:t>
-            </a:r>
-            <a:r>
-              <a:rPr lang="en-US" dirty="0" err="1" smtClean="0"/>
-              <a:t>bắt</a:t>
-            </a:r>
-            <a:r>
-              <a:rPr lang="en-US" dirty="0" smtClean="0"/>
-              <a:t> </a:t>
-            </a:r>
-            <a:r>
-              <a:rPr lang="en-US" dirty="0" err="1" smtClean="0"/>
-              <a:t>buộc</a:t>
-            </a:r>
-            <a:r>
-              <a:rPr lang="en-US" dirty="0" smtClean="0"/>
-              <a:t> </a:t>
-            </a:r>
-            <a:r>
-              <a:rPr lang="en-US" dirty="0" err="1" smtClean="0"/>
-              <a:t>phụ</a:t>
-            </a:r>
-            <a:r>
-              <a:rPr lang="en-US" dirty="0" smtClean="0"/>
-              <a:t> </a:t>
-            </a:r>
-            <a:r>
-              <a:rPr lang="en-US" dirty="0" err="1" smtClean="0"/>
-              <a:t>thuộc</a:t>
-            </a:r>
-            <a:r>
-              <a:rPr lang="en-US" dirty="0" smtClean="0"/>
-              <a:t> </a:t>
-            </a:r>
-            <a:r>
-              <a:rPr lang="en-US" dirty="0" err="1" smtClean="0"/>
-              <a:t>vào</a:t>
-            </a:r>
-            <a:r>
-              <a:rPr lang="en-US" dirty="0" smtClean="0"/>
-              <a:t> </a:t>
-            </a:r>
-            <a:r>
-              <a:rPr lang="en-US" dirty="0" err="1" smtClean="0"/>
-              <a:t>các</a:t>
-            </a:r>
-            <a:r>
-              <a:rPr lang="en-US" dirty="0" smtClean="0"/>
-              <a:t> </a:t>
-            </a:r>
-            <a:r>
-              <a:rPr lang="en-US" dirty="0" err="1" smtClean="0"/>
-              <a:t>thành</a:t>
-            </a:r>
-            <a:r>
-              <a:rPr lang="en-US" dirty="0" smtClean="0"/>
-              <a:t> </a:t>
-            </a:r>
-            <a:r>
-              <a:rPr lang="en-US" dirty="0" err="1" smtClean="0"/>
-              <a:t>phần</a:t>
-            </a:r>
-            <a:r>
-              <a:rPr lang="en-US" dirty="0" smtClean="0"/>
-              <a:t> </a:t>
-            </a:r>
-            <a:r>
-              <a:rPr lang="en-US" dirty="0" err="1" smtClean="0"/>
-              <a:t>của</a:t>
-            </a:r>
-            <a:r>
-              <a:rPr lang="en-US" dirty="0" smtClean="0"/>
-              <a:t> </a:t>
-            </a:r>
-            <a:r>
-              <a:rPr lang="en-US" dirty="0" err="1" smtClean="0"/>
-              <a:t>giao</a:t>
-            </a:r>
-            <a:r>
-              <a:rPr lang="en-US" dirty="0" smtClean="0"/>
-              <a:t> </a:t>
-            </a:r>
-            <a:r>
-              <a:rPr lang="en-US" dirty="0" err="1" smtClean="0"/>
-              <a:t>diện</a:t>
-            </a:r>
-            <a:r>
-              <a:rPr lang="en-US" dirty="0" smtClean="0"/>
-              <a:t> </a:t>
-            </a:r>
-            <a:r>
-              <a:rPr lang="en-US" dirty="0" err="1" smtClean="0"/>
-              <a:t>mà</a:t>
-            </a:r>
-            <a:r>
-              <a:rPr lang="en-US" dirty="0" smtClean="0"/>
-              <a:t> </a:t>
-            </a:r>
-            <a:r>
-              <a:rPr lang="en-US" dirty="0" err="1" smtClean="0"/>
-              <a:t>nó</a:t>
-            </a:r>
-            <a:r>
-              <a:rPr lang="en-US" dirty="0" smtClean="0"/>
-              <a:t> </a:t>
-            </a:r>
-            <a:r>
-              <a:rPr lang="en-US" dirty="0" err="1" smtClean="0"/>
-              <a:t>không</a:t>
-            </a:r>
-            <a:r>
-              <a:rPr lang="en-US" dirty="0" smtClean="0"/>
-              <a:t> </a:t>
-            </a:r>
-            <a:r>
-              <a:rPr lang="en-US" dirty="0" err="1" smtClean="0"/>
-              <a:t>sử</a:t>
-            </a:r>
-            <a:r>
-              <a:rPr lang="en-US" dirty="0" smtClean="0"/>
-              <a:t> </a:t>
-            </a:r>
-            <a:r>
-              <a:rPr lang="en-US" dirty="0" err="1" smtClean="0"/>
-              <a:t>dụng</a:t>
-            </a:r>
-            <a:r>
-              <a:rPr lang="en-US" dirty="0" smtClean="0"/>
-              <a:t>.</a:t>
-            </a:r>
-          </a:p>
-          <a:p>
-            <a:endParaRPr lang="en-US" dirty="0" smtClean="0"/>
-          </a:p>
-          <a:p>
-            <a:r>
-              <a:rPr lang="en-US" dirty="0" smtClean="0"/>
-              <a:t>Theo </a:t>
-            </a:r>
-            <a:r>
-              <a:rPr lang="en-US" dirty="0" err="1" smtClean="0"/>
-              <a:t>nguyên</a:t>
-            </a:r>
-            <a:r>
-              <a:rPr lang="en-US" dirty="0" smtClean="0"/>
-              <a:t> </a:t>
-            </a:r>
-            <a:r>
-              <a:rPr lang="en-US" dirty="0" err="1" smtClean="0"/>
-              <a:t>tắc</a:t>
-            </a:r>
-            <a:r>
-              <a:rPr lang="en-US" dirty="0" smtClean="0"/>
-              <a:t> </a:t>
-            </a:r>
-            <a:r>
-              <a:rPr lang="en-US" dirty="0" err="1" smtClean="0"/>
-              <a:t>này</a:t>
-            </a:r>
-            <a:r>
-              <a:rPr lang="en-US" dirty="0" smtClean="0"/>
-              <a:t> </a:t>
-            </a:r>
-            <a:r>
-              <a:rPr lang="en-US" dirty="0" err="1" smtClean="0"/>
-              <a:t>thì</a:t>
-            </a:r>
-            <a:r>
-              <a:rPr lang="en-US" dirty="0" smtClean="0"/>
-              <a:t> </a:t>
-            </a:r>
-            <a:r>
-              <a:rPr lang="en-US" dirty="0" err="1" smtClean="0"/>
-              <a:t>nếu</a:t>
-            </a:r>
-            <a:r>
-              <a:rPr lang="en-US" dirty="0" smtClean="0"/>
-              <a:t> </a:t>
-            </a:r>
-            <a:r>
-              <a:rPr lang="en-US" dirty="0" err="1" smtClean="0"/>
-              <a:t>giao</a:t>
-            </a:r>
-            <a:r>
-              <a:rPr lang="en-US" dirty="0" smtClean="0"/>
-              <a:t> </a:t>
-            </a:r>
-            <a:r>
-              <a:rPr lang="en-US" dirty="0" err="1" smtClean="0"/>
-              <a:t>diện</a:t>
-            </a:r>
-            <a:r>
-              <a:rPr lang="en-US" dirty="0" smtClean="0"/>
-              <a:t> (interface) </a:t>
-            </a:r>
-            <a:r>
-              <a:rPr lang="en-US" dirty="0" err="1" smtClean="0"/>
-              <a:t>của</a:t>
-            </a:r>
-            <a:r>
-              <a:rPr lang="en-US" dirty="0" smtClean="0"/>
-              <a:t> </a:t>
-            </a:r>
-            <a:r>
-              <a:rPr lang="en-US" dirty="0" err="1" smtClean="0"/>
-              <a:t>bạn</a:t>
-            </a:r>
-            <a:r>
-              <a:rPr lang="en-US" dirty="0" smtClean="0"/>
-              <a:t> </a:t>
-            </a:r>
-            <a:r>
-              <a:rPr lang="en-US" dirty="0" err="1" smtClean="0"/>
-              <a:t>có</a:t>
-            </a:r>
-            <a:r>
-              <a:rPr lang="en-US" dirty="0" smtClean="0"/>
-              <a:t> </a:t>
-            </a:r>
-            <a:r>
-              <a:rPr lang="en-US" dirty="0" err="1" smtClean="0"/>
-              <a:t>những</a:t>
-            </a:r>
-            <a:r>
-              <a:rPr lang="en-US" dirty="0" smtClean="0"/>
-              <a:t> </a:t>
-            </a:r>
-            <a:r>
-              <a:rPr lang="en-US" dirty="0" err="1" smtClean="0"/>
-              <a:t>thành</a:t>
-            </a:r>
-            <a:r>
-              <a:rPr lang="en-US" dirty="0" smtClean="0"/>
-              <a:t> </a:t>
-            </a:r>
-            <a:r>
-              <a:rPr lang="en-US" dirty="0" err="1" smtClean="0"/>
-              <a:t>phần</a:t>
-            </a:r>
-            <a:r>
-              <a:rPr lang="en-US" dirty="0" smtClean="0"/>
-              <a:t> </a:t>
-            </a:r>
-            <a:r>
-              <a:rPr lang="en-US" dirty="0" err="1" smtClean="0"/>
-              <a:t>mà</a:t>
-            </a:r>
-            <a:r>
-              <a:rPr lang="en-US" dirty="0" smtClean="0"/>
-              <a:t> </a:t>
-            </a:r>
-            <a:r>
-              <a:rPr lang="en-US" dirty="0" err="1" smtClean="0"/>
-              <a:t>lớp</a:t>
-            </a:r>
-            <a:r>
-              <a:rPr lang="en-US" dirty="0" smtClean="0"/>
-              <a:t> </a:t>
-            </a:r>
-            <a:r>
-              <a:rPr lang="en-US" dirty="0" err="1" smtClean="0"/>
-              <a:t>thực</a:t>
-            </a:r>
-            <a:r>
-              <a:rPr lang="en-US" dirty="0" smtClean="0"/>
-              <a:t> </a:t>
-            </a:r>
-            <a:r>
-              <a:rPr lang="en-US" dirty="0" err="1" smtClean="0"/>
-              <a:t>thi</a:t>
-            </a:r>
-            <a:r>
-              <a:rPr lang="en-US" dirty="0" smtClean="0"/>
-              <a:t> (implement) </a:t>
-            </a:r>
-            <a:r>
-              <a:rPr lang="en-US" dirty="0" err="1" smtClean="0"/>
-              <a:t>giao</a:t>
-            </a:r>
-            <a:r>
-              <a:rPr lang="en-US" dirty="0" smtClean="0"/>
-              <a:t> </a:t>
-            </a:r>
-            <a:r>
-              <a:rPr lang="en-US" dirty="0" err="1" smtClean="0"/>
-              <a:t>diện</a:t>
-            </a:r>
-            <a:r>
-              <a:rPr lang="en-US" dirty="0" smtClean="0"/>
-              <a:t> </a:t>
-            </a:r>
-            <a:r>
-              <a:rPr lang="en-US" dirty="0" err="1" smtClean="0"/>
-              <a:t>không</a:t>
-            </a:r>
-            <a:r>
-              <a:rPr lang="en-US" dirty="0" smtClean="0"/>
-              <a:t> </a:t>
-            </a:r>
-            <a:r>
-              <a:rPr lang="en-US" dirty="0" err="1" smtClean="0"/>
-              <a:t>sử</a:t>
-            </a:r>
-            <a:r>
-              <a:rPr lang="en-US" dirty="0" smtClean="0"/>
-              <a:t> </a:t>
-            </a:r>
-            <a:r>
-              <a:rPr lang="en-US" dirty="0" err="1" smtClean="0"/>
-              <a:t>dụng</a:t>
-            </a:r>
-            <a:r>
-              <a:rPr lang="en-US" dirty="0" smtClean="0"/>
-              <a:t> </a:t>
-            </a:r>
-            <a:r>
-              <a:rPr lang="en-US" dirty="0" err="1" smtClean="0"/>
-              <a:t>tới</a:t>
-            </a:r>
-            <a:r>
-              <a:rPr lang="en-US" dirty="0" smtClean="0"/>
-              <a:t> </a:t>
-            </a:r>
-            <a:r>
-              <a:rPr lang="en-US" dirty="0" err="1" smtClean="0"/>
-              <a:t>thì</a:t>
-            </a:r>
-            <a:r>
-              <a:rPr lang="en-US" dirty="0" smtClean="0"/>
-              <a:t> </a:t>
-            </a:r>
-            <a:r>
-              <a:rPr lang="en-US" dirty="0" err="1" smtClean="0"/>
-              <a:t>bạn</a:t>
-            </a:r>
-            <a:r>
-              <a:rPr lang="en-US" dirty="0" smtClean="0"/>
-              <a:t> </a:t>
-            </a:r>
-            <a:r>
-              <a:rPr lang="en-US" dirty="0" err="1" smtClean="0"/>
-              <a:t>nên</a:t>
-            </a:r>
-            <a:r>
-              <a:rPr lang="en-US" dirty="0" smtClean="0"/>
-              <a:t> </a:t>
-            </a:r>
-            <a:r>
-              <a:rPr lang="en-US" dirty="0" err="1" smtClean="0"/>
-              <a:t>tách</a:t>
-            </a:r>
-            <a:r>
-              <a:rPr lang="en-US" dirty="0" smtClean="0"/>
-              <a:t> interface </a:t>
-            </a:r>
-            <a:r>
-              <a:rPr lang="en-US" dirty="0" err="1" smtClean="0"/>
-              <a:t>này</a:t>
-            </a:r>
-            <a:r>
-              <a:rPr lang="en-US" dirty="0" smtClean="0"/>
-              <a:t> </a:t>
-            </a:r>
-            <a:r>
-              <a:rPr lang="en-US" dirty="0" err="1" smtClean="0"/>
-              <a:t>thành</a:t>
-            </a:r>
-            <a:r>
-              <a:rPr lang="en-US" dirty="0" smtClean="0"/>
-              <a:t> </a:t>
-            </a:r>
-            <a:r>
-              <a:rPr lang="en-US" dirty="0" err="1" smtClean="0"/>
-              <a:t>các</a:t>
-            </a:r>
-            <a:r>
-              <a:rPr lang="en-US" dirty="0" smtClean="0"/>
-              <a:t> interface </a:t>
-            </a:r>
-            <a:r>
-              <a:rPr lang="en-US" dirty="0" err="1" smtClean="0"/>
-              <a:t>khác</a:t>
-            </a:r>
-            <a:r>
-              <a:rPr lang="en-US" dirty="0" smtClean="0"/>
-              <a:t> </a:t>
-            </a:r>
-            <a:r>
-              <a:rPr lang="en-US" dirty="0" err="1" smtClean="0"/>
-              <a:t>nhau</a:t>
-            </a:r>
-            <a:r>
-              <a:rPr lang="en-US" dirty="0" smtClean="0"/>
-              <a:t>. Sao </a:t>
-            </a:r>
-            <a:r>
-              <a:rPr lang="en-US" dirty="0" err="1" smtClean="0"/>
-              <a:t>cho</a:t>
-            </a:r>
-            <a:r>
-              <a:rPr lang="en-US" dirty="0" smtClean="0"/>
-              <a:t> </a:t>
-            </a:r>
-            <a:r>
-              <a:rPr lang="en-US" dirty="0" err="1" smtClean="0"/>
-              <a:t>lớp</a:t>
-            </a:r>
-            <a:r>
-              <a:rPr lang="en-US" dirty="0" smtClean="0"/>
-              <a:t> </a:t>
-            </a:r>
-            <a:r>
-              <a:rPr lang="en-US" dirty="0" err="1" smtClean="0"/>
-              <a:t>thực</a:t>
-            </a:r>
-            <a:r>
-              <a:rPr lang="en-US" dirty="0" smtClean="0"/>
-              <a:t> </a:t>
-            </a:r>
-            <a:r>
-              <a:rPr lang="en-US" dirty="0" err="1" smtClean="0"/>
-              <a:t>thi</a:t>
-            </a:r>
-            <a:r>
-              <a:rPr lang="en-US" dirty="0" smtClean="0"/>
-              <a:t> </a:t>
-            </a:r>
-            <a:r>
-              <a:rPr lang="en-US" dirty="0" err="1" smtClean="0"/>
-              <a:t>sử</a:t>
-            </a:r>
-            <a:r>
-              <a:rPr lang="en-US" dirty="0" smtClean="0"/>
-              <a:t> </a:t>
-            </a:r>
-            <a:r>
-              <a:rPr lang="en-US" dirty="0" err="1" smtClean="0"/>
-              <a:t>dụng</a:t>
-            </a:r>
-            <a:r>
-              <a:rPr lang="en-US" dirty="0" smtClean="0"/>
-              <a:t> </a:t>
-            </a:r>
-            <a:r>
-              <a:rPr lang="en-US" dirty="0" err="1" smtClean="0"/>
-              <a:t>hết</a:t>
-            </a:r>
-            <a:r>
-              <a:rPr lang="en-US" dirty="0" smtClean="0"/>
-              <a:t> </a:t>
-            </a:r>
-            <a:r>
-              <a:rPr lang="en-US" dirty="0" err="1" smtClean="0"/>
-              <a:t>các</a:t>
-            </a:r>
-            <a:r>
-              <a:rPr lang="en-US" dirty="0" smtClean="0"/>
-              <a:t> </a:t>
-            </a:r>
-            <a:r>
-              <a:rPr lang="en-US" dirty="0" err="1" smtClean="0"/>
-              <a:t>thành</a:t>
-            </a:r>
-            <a:r>
-              <a:rPr lang="en-US" dirty="0" smtClean="0"/>
-              <a:t> </a:t>
-            </a:r>
-            <a:r>
-              <a:rPr lang="en-US" dirty="0" err="1" smtClean="0"/>
-              <a:t>phần</a:t>
-            </a:r>
-            <a:r>
-              <a:rPr lang="en-US" dirty="0" smtClean="0"/>
-              <a:t> </a:t>
-            </a:r>
-            <a:r>
-              <a:rPr lang="en-US" dirty="0" err="1" smtClean="0"/>
-              <a:t>mà</a:t>
-            </a:r>
-            <a:r>
-              <a:rPr lang="en-US" dirty="0" smtClean="0"/>
-              <a:t> </a:t>
-            </a:r>
-            <a:r>
-              <a:rPr lang="en-US" dirty="0" err="1" smtClean="0"/>
-              <a:t>giao</a:t>
-            </a:r>
-            <a:r>
-              <a:rPr lang="en-US" dirty="0" smtClean="0"/>
-              <a:t> </a:t>
-            </a:r>
-            <a:r>
-              <a:rPr lang="en-US" dirty="0" err="1" smtClean="0"/>
-              <a:t>diện</a:t>
-            </a:r>
-            <a:r>
-              <a:rPr lang="en-US" dirty="0" smtClean="0"/>
-              <a:t> </a:t>
-            </a:r>
-            <a:r>
-              <a:rPr lang="en-US" dirty="0" err="1" smtClean="0"/>
-              <a:t>cung</a:t>
-            </a:r>
-            <a:r>
-              <a:rPr lang="en-US" dirty="0" smtClean="0"/>
-              <a:t> </a:t>
-            </a:r>
-            <a:r>
-              <a:rPr lang="en-US" dirty="0" err="1" smtClean="0"/>
-              <a:t>cấp</a:t>
-            </a:r>
-            <a:r>
-              <a:rPr lang="en-US" dirty="0" smtClean="0"/>
-              <a:t>.</a:t>
+              <a:rPr lang="vi-VN" sz="1200" b="1" i="0" u="sng" kern="1200" dirty="0" smtClean="0">
+                <a:solidFill>
+                  <a:schemeClr val="tx1"/>
+                </a:solidFill>
+                <a:effectLst/>
+                <a:latin typeface="+mn-lt"/>
+                <a:ea typeface="+mn-ea"/>
+                <a:cs typeface="+mn-cs"/>
+              </a:rPr>
+              <a:t>Phát biểu:</a:t>
+            </a:r>
+            <a:r>
+              <a:rPr lang="vi-VN" sz="1200" b="0" i="0" kern="1200" dirty="0" smtClean="0">
+                <a:solidFill>
+                  <a:schemeClr val="tx1"/>
+                </a:solidFill>
+                <a:effectLst/>
+                <a:latin typeface="+mn-lt"/>
+                <a:ea typeface="+mn-ea"/>
+                <a:cs typeface="+mn-cs"/>
+              </a:rPr>
+              <a:t> </a:t>
+            </a:r>
+            <a:r>
+              <a:rPr lang="vi-VN" sz="1200" b="1" i="1" kern="1200" dirty="0" smtClean="0">
+                <a:solidFill>
+                  <a:schemeClr val="tx1"/>
+                </a:solidFill>
+                <a:effectLst/>
+                <a:latin typeface="+mn-lt"/>
+                <a:ea typeface="+mn-ea"/>
+                <a:cs typeface="+mn-cs"/>
+              </a:rPr>
+              <a:t>Các kiểu thừa kế phải thay thế hoàn toàn cho kiểu cơ bản của nó.</a:t>
+            </a:r>
+            <a:r>
+              <a:rPr lang="vi-VN" dirty="0" smtClean="0"/>
+              <a:t/>
+            </a:r>
+            <a:br>
+              <a:rPr lang="vi-VN" dirty="0" smtClean="0"/>
+            </a:br>
+            <a:r>
+              <a:rPr lang="vi-VN" dirty="0" smtClean="0"/>
+              <a:t/>
+            </a:r>
+            <a:br>
+              <a:rPr lang="vi-VN" dirty="0" smtClean="0"/>
+            </a:br>
+            <a:r>
+              <a:rPr lang="vi-VN" sz="1200" b="0" i="0" kern="1200" dirty="0" smtClean="0">
+                <a:solidFill>
+                  <a:schemeClr val="tx1"/>
+                </a:solidFill>
+                <a:effectLst/>
+                <a:latin typeface="+mn-lt"/>
+                <a:ea typeface="+mn-ea"/>
+                <a:cs typeface="+mn-cs"/>
+              </a:rPr>
+              <a:t>Nguyên tắc này chỉ là phần mở rộng của nguyên tắc mở - đóng, có nghĩa là chúng ta phải đảm bảo rằng các lớp thừa kế mới không được thay đổi hành vi của lớp cơ sở mà chúng kế thừa. </a:t>
+            </a:r>
+            <a:r>
+              <a:rPr lang="vi-VN" sz="1200" b="0" i="0" kern="1200" smtClean="0">
+                <a:solidFill>
+                  <a:schemeClr val="tx1"/>
+                </a:solidFill>
+                <a:effectLst/>
+                <a:latin typeface="+mn-lt"/>
+                <a:ea typeface="+mn-ea"/>
+                <a:cs typeface="+mn-cs"/>
+              </a:rPr>
+              <a:t>Các lớp thừa kế có thể thay thế các lớp cơ sở mà không cần bất kỳ sự thay đổi nào trong mã nguồn.</a:t>
             </a:r>
             <a:endParaRPr lang="en-US" dirty="0"/>
           </a:p>
@@ -9228,7 +9431,7 @@
     </p:spTree>
     <p:extLst>
       <p:ext uri="{BB962C8B-B14F-4D97-AF65-F5344CB8AC3E}">
-        <p14:creationId xmlns:p14="http://schemas.microsoft.com/office/powerpoint/2010/main" val="466881124"/>
+        <p14:creationId xmlns:p14="http://schemas.microsoft.com/office/powerpoint/2010/main" val="819700505"/>
       </p:ext>
     </p:extLst>
   </p:cSld>
@@ -14093,13 +14296,6 @@
             <a:reflection blurRad="12700" stA="38000" endPos="28000" dist="5000" dir="5400000" sy="-100000" algn="bl" rotWithShape="0"/>
           </a:effectLst>
           <a:extLst>
-            <a:ext uri="{909E8E84-426E-40DD-AFC4-6F175D3DCCD1}">
-              <a14:hiddenFill xmlns:a14="http://schemas.microsoft.com/office/drawing/2010/main">
-                <a:solidFill>
-                  <a:schemeClr val="accent1"/>
-                </a:solidFill>
-              </a14:hiddenFill>
-            </a:ext>
             <a:ext uri="{91240B29-F687-4F45-9708-019B960494DF}">
               <a14:hiddenLine xmlns:a14="http://schemas.microsoft.com/office/drawing/2010/main" w="9525">
                 <a:solidFill>
@@ -14273,8 +14469,8 @@
         </p:nvSpPr>
         <p:spPr>
           <a:xfrm>
-            <a:off x="457200" y="5181600"/>
-            <a:ext cx="8229600" cy="944563"/>
+            <a:off x="457200" y="5257800"/>
+            <a:ext cx="8229600" cy="868363"/>
           </a:xfrm>
         </p:spPr>
         <p:txBody>
@@ -14287,36 +14483,56 @@
               <a:buNone/>
             </a:pPr>
             <a:r>
+              <a:rPr lang="en-US" sz="1600" b="1" dirty="0" err="1"/>
+              <a:t>Contravariance</a:t>
+            </a:r>
+            <a:r>
               <a:rPr lang="en-US" sz="1600" b="1" dirty="0"/>
-              <a:t>The subtype should throw either the same </a:t>
+              <a:t> of method </a:t>
+            </a:r>
+            <a:r>
+              <a:rPr lang="en-US" sz="1600" b="1" dirty="0">
+                <a:solidFill>
+                  <a:srgbClr val="0070C0"/>
+                </a:solidFill>
+              </a:rPr>
+              <a:t>arguments</a:t>
+            </a:r>
+            <a:r>
+              <a:rPr lang="en-US" sz="1600" b="1" dirty="0"/>
+              <a:t> in the subtype: If the </a:t>
             </a:r>
             <a:r>
               <a:rPr lang="en-US" sz="1600" b="1" dirty="0" err="1"/>
-              <a:t>exeptions</a:t>
+              <a:t>superClass</a:t>
             </a:r>
             <a:r>
               <a:rPr lang="en-US" sz="1600" b="1" dirty="0"/>
-              <a:t> as the </a:t>
+              <a:t> has a method accepting a Cat, the subclass method should accept an argument of type Cat or </a:t>
+            </a:r>
+            <a:r>
+              <a:rPr lang="en-US" sz="1600" dirty="0"/>
+              <a:t>Calculation</a:t>
+            </a:r>
+            <a:r>
+              <a:rPr lang="en-US" sz="1600" b="1" dirty="0" smtClean="0"/>
+              <a:t>, </a:t>
+            </a:r>
+            <a:r>
+              <a:rPr lang="en-US" sz="1600" b="1" dirty="0"/>
+              <a:t>which is </a:t>
             </a:r>
             <a:r>
               <a:rPr lang="en-US" sz="1600" b="1" dirty="0" err="1"/>
-              <a:t>supertype</a:t>
+              <a:t>superClass</a:t>
             </a:r>
             <a:r>
               <a:rPr lang="en-US" sz="1600" b="1" dirty="0"/>
-              <a:t>, or exceptions that are subtypes of the </a:t>
-            </a:r>
-            <a:r>
-              <a:rPr lang="en-US" sz="1600" b="1" dirty="0" err="1"/>
-              <a:t>supertype</a:t>
-            </a:r>
-            <a:r>
-              <a:rPr lang="en-US" sz="1600" b="1" dirty="0"/>
-              <a:t> </a:t>
-            </a:r>
-            <a:r>
-              <a:rPr lang="en-US" sz="1600" b="1" dirty="0" err="1"/>
-              <a:t>exeptions</a:t>
+              <a:t> for </a:t>
+            </a:r>
+            <a:r>
+              <a:rPr lang="en-US" sz="1600" dirty="0" err="1"/>
+              <a:t>My_Calculation</a:t>
             </a:r>
             <a:endParaRPr lang="en-US" sz="1600" b="1" i="1" dirty="0"/>
           </a:p>
@@ -14369,11 +14585,407 @@
               </a:rPr>
               <a:t> substitution principle</a:t>
             </a:r>
-            <a:endParaRPr lang="en-US" b="1" dirty="0">
-              <a:solidFill>
-                <a:srgbClr val="0070C0"/>
-              </a:solidFill>
-            </a:endParaRPr>
+          </a:p>
+        </p:txBody>
+      </p:sp>
+      <p:sp>
+        <p:nvSpPr>
+          <p:cNvPr id="2" name="Rectangle 1"/>
+          <p:cNvSpPr/>
+          <p:nvPr/>
+        </p:nvSpPr>
+        <p:spPr>
+          <a:xfrm>
+            <a:off x="533400" y="2247900"/>
+            <a:ext cx="1752600" cy="609600"/>
+          </a:xfrm>
+          <a:prstGeom prst="rect">
+            <a:avLst/>
+          </a:prstGeom>
+        </p:spPr>
+        <p:style>
+          <a:lnRef idx="2">
+            <a:schemeClr val="accent6"/>
+          </a:lnRef>
+          <a:fillRef idx="1">
+            <a:schemeClr val="lt1"/>
+          </a:fillRef>
+          <a:effectRef idx="0">
+            <a:schemeClr val="accent6"/>
+          </a:effectRef>
+          <a:fontRef idx="minor">
+            <a:schemeClr val="dk1"/>
+          </a:fontRef>
+        </p:style>
+        <p:txBody>
+          <a:bodyPr rtlCol="0" anchor="ctr"/>
+          <a:lstStyle/>
+          <a:p>
+            <a:pPr algn="ctr"/>
+            <a:r>
+              <a:rPr lang="en-US" dirty="0" smtClean="0"/>
+              <a:t>Calculation</a:t>
+            </a:r>
+            <a:endParaRPr lang="en-US" dirty="0"/>
+          </a:p>
+        </p:txBody>
+      </p:sp>
+      <p:sp>
+        <p:nvSpPr>
+          <p:cNvPr id="6" name="Rectangle 5"/>
+          <p:cNvSpPr/>
+          <p:nvPr/>
+        </p:nvSpPr>
+        <p:spPr>
+          <a:xfrm>
+            <a:off x="381000" y="3390900"/>
+            <a:ext cx="2057400" cy="609600"/>
+          </a:xfrm>
+          <a:prstGeom prst="rect">
+            <a:avLst/>
+          </a:prstGeom>
+        </p:spPr>
+        <p:style>
+          <a:lnRef idx="2">
+            <a:schemeClr val="accent6"/>
+          </a:lnRef>
+          <a:fillRef idx="1">
+            <a:schemeClr val="lt1"/>
+          </a:fillRef>
+          <a:effectRef idx="0">
+            <a:schemeClr val="accent6"/>
+          </a:effectRef>
+          <a:fontRef idx="minor">
+            <a:schemeClr val="dk1"/>
+          </a:fontRef>
+        </p:style>
+        <p:txBody>
+          <a:bodyPr rtlCol="0" anchor="ctr"/>
+          <a:lstStyle/>
+          <a:p>
+            <a:pPr algn="ctr"/>
+            <a:r>
+              <a:rPr lang="en-US" dirty="0" err="1" smtClean="0"/>
+              <a:t>My_Calculation</a:t>
+            </a:r>
+            <a:endParaRPr lang="en-US" dirty="0"/>
+          </a:p>
+        </p:txBody>
+      </p:sp>
+      <p:cxnSp>
+        <p:nvCxnSpPr>
+          <p:cNvPr id="7" name="Straight Arrow Connector 6"/>
+          <p:cNvCxnSpPr>
+            <a:stCxn id="6" idx="0"/>
+            <a:endCxn id="2" idx="2"/>
+          </p:cNvCxnSpPr>
+          <p:nvPr/>
+        </p:nvCxnSpPr>
+        <p:spPr>
+          <a:xfrm flipV="1">
+            <a:off x="1409700" y="2857500"/>
+            <a:ext cx="0" cy="533400"/>
+          </a:xfrm>
+          <a:prstGeom prst="straightConnector1">
+            <a:avLst/>
+          </a:prstGeom>
+          <a:ln>
+            <a:tailEnd type="arrow"/>
+          </a:ln>
+        </p:spPr>
+        <p:style>
+          <a:lnRef idx="1">
+            <a:schemeClr val="accent1"/>
+          </a:lnRef>
+          <a:fillRef idx="0">
+            <a:schemeClr val="accent1"/>
+          </a:fillRef>
+          <a:effectRef idx="0">
+            <a:schemeClr val="accent1"/>
+          </a:effectRef>
+          <a:fontRef idx="minor">
+            <a:schemeClr val="tx1"/>
+          </a:fontRef>
+        </p:style>
+      </p:cxnSp>
+      <p:pic>
+        <p:nvPicPr>
+          <p:cNvPr id="4098" name="Picture 2"/>
+          <p:cNvPicPr>
+            <a:picLocks noChangeAspect="1" noChangeArrowheads="1"/>
+          </p:cNvPicPr>
+          <p:nvPr/>
+        </p:nvPicPr>
+        <p:blipFill>
+          <a:blip r:embed="rId3">
+            <a:extLst>
+              <a:ext uri="{28A0092B-C50C-407E-A947-70E740481C1C}">
+                <a14:useLocalDpi xmlns:a14="http://schemas.microsoft.com/office/drawing/2010/main" val="0"/>
+              </a:ext>
+            </a:extLst>
+          </a:blip>
+          <a:srcRect/>
+          <a:stretch>
+            <a:fillRect/>
+          </a:stretch>
+        </p:blipFill>
+        <p:spPr bwMode="auto">
+          <a:xfrm>
+            <a:off x="3352800" y="1785938"/>
+            <a:ext cx="5038725" cy="3286125"/>
+          </a:xfrm>
+          <a:prstGeom prst="rect">
+            <a:avLst/>
+          </a:prstGeom>
+          <a:noFill/>
+          <a:ln>
+            <a:noFill/>
+          </a:ln>
+          <a:effectLst/>
+          <a:extLst>
+            <a:ext uri="{909E8E84-426E-40DD-AFC4-6F175D3DCCD1}">
+              <a14:hiddenFill xmlns:a14="http://schemas.microsoft.com/office/drawing/2010/main">
+                <a:solidFill>
+                  <a:schemeClr val="accent1"/>
+                </a:solidFill>
+              </a14:hiddenFill>
+            </a:ext>
+            <a:ext uri="{91240B29-F687-4F45-9708-019B960494DF}">
+              <a14:hiddenLine xmlns:a14="http://schemas.microsoft.com/office/drawing/2010/main" w="9525">
+                <a:solidFill>
+                  <a:schemeClr val="tx1"/>
+                </a:solidFill>
+                <a:miter lim="800000"/>
+                <a:headEnd/>
+                <a:tailEnd/>
+              </a14:hiddenLine>
+            </a:ext>
+            <a:ext uri="{AF507438-7753-43E0-B8FC-AC1667EBCBE1}">
+              <a14:hiddenEffects xmlns:a14="http://schemas.microsoft.com/office/drawing/2010/main">
+                <a:effectLst>
+                  <a:outerShdw dist="35921" dir="2700000" algn="ctr" rotWithShape="0">
+                    <a:schemeClr val="bg2"/>
+                  </a:outerShdw>
+                </a:effectLst>
+              </a14:hiddenEffects>
+            </a:ext>
+          </a:extLst>
+        </p:spPr>
+      </p:pic>
+      <p:sp>
+        <p:nvSpPr>
+          <p:cNvPr id="11" name="Date Placeholder 10"/>
+          <p:cNvSpPr>
+            <a:spLocks noGrp="1"/>
+          </p:cNvSpPr>
+          <p:nvPr>
+            <p:ph type="dt" sz="half" idx="10"/>
+          </p:nvPr>
+        </p:nvSpPr>
+        <p:spPr/>
+        <p:txBody>
+          <a:bodyPr/>
+          <a:lstStyle/>
+          <a:p>
+            <a:fld id="{413C1B1D-5702-405C-9ABD-628B1CEC7B56}" type="datetime1">
+              <a:rPr lang="en-US" smtClean="0"/>
+              <a:t>8/18/2016</a:t>
+            </a:fld>
+            <a:endParaRPr lang="en-US"/>
+          </a:p>
+        </p:txBody>
+      </p:sp>
+      <p:sp>
+        <p:nvSpPr>
+          <p:cNvPr id="12" name="Footer Placeholder 11"/>
+          <p:cNvSpPr>
+            <a:spLocks noGrp="1"/>
+          </p:cNvSpPr>
+          <p:nvPr>
+            <p:ph type="ftr" sz="quarter" idx="11"/>
+          </p:nvPr>
+        </p:nvSpPr>
+        <p:spPr/>
+        <p:txBody>
+          <a:bodyPr/>
+          <a:lstStyle/>
+          <a:p>
+            <a:r>
+              <a:rPr lang="en-US" smtClean="0"/>
+              <a:t>GCS-TRA</a:t>
+            </a:r>
+            <a:endParaRPr lang="en-US"/>
+          </a:p>
+        </p:txBody>
+      </p:sp>
+      <p:sp>
+        <p:nvSpPr>
+          <p:cNvPr id="13" name="Slide Number Placeholder 12"/>
+          <p:cNvSpPr>
+            <a:spLocks noGrp="1"/>
+          </p:cNvSpPr>
+          <p:nvPr>
+            <p:ph type="sldNum" sz="quarter" idx="12"/>
+          </p:nvPr>
+        </p:nvSpPr>
+        <p:spPr/>
+        <p:txBody>
+          <a:bodyPr/>
+          <a:lstStyle/>
+          <a:p>
+            <a:fld id="{1633171A-E30C-4A24-9CC4-E035DC77CF5A}" type="slidenum">
+              <a:rPr lang="en-US" smtClean="0"/>
+              <a:t>10</a:t>
+            </a:fld>
+            <a:endParaRPr lang="en-US"/>
+          </a:p>
+        </p:txBody>
+      </p:sp>
+    </p:spTree>
+    <p:extLst>
+      <p:ext uri="{BB962C8B-B14F-4D97-AF65-F5344CB8AC3E}">
+        <p14:creationId xmlns:p14="http://schemas.microsoft.com/office/powerpoint/2010/main" val="1924646876"/>
+      </p:ext>
+    </p:extLst>
+  </p:cSld>
+  <p:clrMapOvr>
+    <a:masterClrMapping/>
+  </p:clrMapOvr>
+  <p:timing>
+    <p:tnLst>
+      <p:par>
+        <p:cTn id="1" dur="indefinite" restart="never" nodeType="tmRoot"/>
+      </p:par>
+    </p:tnLst>
+  </p:timing>
+</p:sld>
+</file>
+
+<file path=ppt/slides/slide11.xml><?xml version="1.0" encoding="utf-8"?>
+<p:sld xmlns:a="http://schemas.openxmlformats.org/drawingml/2006/main" xmlns:r="http://schemas.openxmlformats.org/officeDocument/2006/relationships" xmlns:p="http://schemas.openxmlformats.org/presentationml/2006/main">
+  <p:cSld>
+    <p:spTree>
+      <p:nvGrpSpPr>
+        <p:cNvPr id="1" name=""/>
+        <p:cNvGrpSpPr/>
+        <p:nvPr/>
+      </p:nvGrpSpPr>
+      <p:grpSpPr>
+        <a:xfrm>
+          <a:off x="0" y="0"/>
+          <a:ext cx="0" cy="0"/>
+          <a:chOff x="0" y="0"/>
+          <a:chExt cx="0" cy="0"/>
+        </a:xfrm>
+      </p:grpSpPr>
+      <p:sp>
+        <p:nvSpPr>
+          <p:cNvPr id="3" name="Content Placeholder 2"/>
+          <p:cNvSpPr>
+            <a:spLocks noGrp="1"/>
+          </p:cNvSpPr>
+          <p:nvPr>
+            <p:ph idx="1"/>
+          </p:nvPr>
+        </p:nvSpPr>
+        <p:spPr>
+          <a:xfrm>
+            <a:off x="457200" y="5181600"/>
+            <a:ext cx="8229600" cy="944563"/>
+          </a:xfrm>
+        </p:spPr>
+        <p:txBody>
+          <a:bodyPr>
+            <a:normAutofit/>
+          </a:bodyPr>
+          <a:lstStyle/>
+          <a:p>
+            <a:pPr marL="114300" indent="0">
+              <a:buNone/>
+            </a:pPr>
+            <a:r>
+              <a:rPr lang="en-US" sz="1600" b="1" dirty="0"/>
+              <a:t>The subtype should throw either the same </a:t>
+            </a:r>
+            <a:r>
+              <a:rPr lang="en-US" sz="1600" b="1" dirty="0" err="1"/>
+              <a:t>exeptions</a:t>
+            </a:r>
+            <a:r>
+              <a:rPr lang="en-US" sz="1600" b="1" dirty="0"/>
+              <a:t> as the </a:t>
+            </a:r>
+            <a:r>
+              <a:rPr lang="en-US" sz="1600" b="1" dirty="0" err="1"/>
+              <a:t>supertype</a:t>
+            </a:r>
+            <a:r>
+              <a:rPr lang="en-US" sz="1600" b="1" dirty="0"/>
+              <a:t>, or exceptions that are subtypes of the </a:t>
+            </a:r>
+            <a:r>
+              <a:rPr lang="en-US" sz="1600" b="1" dirty="0" err="1"/>
+              <a:t>supertype</a:t>
+            </a:r>
+            <a:r>
+              <a:rPr lang="en-US" sz="1600" b="1" dirty="0"/>
+              <a:t> </a:t>
+            </a:r>
+            <a:r>
+              <a:rPr lang="en-US" sz="1600" b="1" dirty="0" err="1"/>
+              <a:t>exeptions</a:t>
+            </a:r>
+            <a:endParaRPr lang="en-US" sz="1600" b="1" i="1" dirty="0"/>
+          </a:p>
+        </p:txBody>
+      </p:sp>
+      <p:sp>
+        <p:nvSpPr>
+          <p:cNvPr id="5" name="Title 1"/>
+          <p:cNvSpPr>
+            <a:spLocks noGrp="1"/>
+          </p:cNvSpPr>
+          <p:nvPr>
+            <p:ph type="title"/>
+          </p:nvPr>
+        </p:nvSpPr>
+        <p:spPr>
+          <a:xfrm>
+            <a:off x="426128" y="408372"/>
+            <a:ext cx="8260672" cy="1039427"/>
+          </a:xfrm>
+        </p:spPr>
+        <p:txBody>
+          <a:bodyPr>
+            <a:normAutofit fontScale="90000"/>
+          </a:bodyPr>
+          <a:lstStyle/>
+          <a:p>
+            <a:pPr lvl="0"/>
+            <a:r>
+              <a:rPr lang="en-US" b="1" dirty="0">
+                <a:solidFill>
+                  <a:srgbClr val="0070C0"/>
+                </a:solidFill>
+              </a:rPr>
+              <a:t>L – </a:t>
+            </a:r>
+            <a:r>
+              <a:rPr lang="en-US" b="1" dirty="0" err="1">
+                <a:solidFill>
+                  <a:srgbClr val="0070C0"/>
+                </a:solidFill>
+              </a:rPr>
+              <a:t>Liskov</a:t>
+            </a:r>
+            <a:r>
+              <a:rPr lang="en-US" b="1" dirty="0">
+                <a:solidFill>
+                  <a:srgbClr val="0070C0"/>
+                </a:solidFill>
+              </a:rPr>
+              <a:t> substitution principle</a:t>
+            </a:r>
           </a:p>
         </p:txBody>
       </p:sp>
@@ -14504,7 +15116,7 @@
           <a:p>
             <a:fld id="{1633171A-E30C-4A24-9CC4-E035DC77CF5A}" type="slidenum">
               <a:rPr lang="en-US" smtClean="0"/>
-              <a:t>10</a:t>
+              <a:t>11</a:t>
             </a:fld>
             <a:endParaRPr lang="en-US"/>
           </a:p>
@@ -14530,7 +15142,7 @@
 </p:sld>
 </file>
 
-<file path=ppt/slides/slide11.xml><?xml version="1.0" encoding="utf-8"?>
+<file path=ppt/slides/slide12.xml><?xml version="1.0" encoding="utf-8"?>
 <p:sld xmlns:a="http://schemas.openxmlformats.org/drawingml/2006/main" xmlns:r="http://schemas.openxmlformats.org/officeDocument/2006/relationships" xmlns:p="http://schemas.openxmlformats.org/presentationml/2006/main">
   <p:cSld>
     <p:spTree>
@@ -14636,7 +15248,6 @@
               <a:rPr lang="en-US" dirty="0"/>
               <a:t>Clients should not be forced to depend upon interfaces that they don't use.</a:t>
             </a:r>
-            <a:endParaRPr lang="en-US" dirty="0"/>
           </a:p>
         </p:txBody>
       </p:sp>
@@ -14703,7 +15314,7 @@
           <a:p>
             <a:fld id="{1633171A-E30C-4A24-9CC4-E035DC77CF5A}" type="slidenum">
               <a:rPr lang="en-US" smtClean="0"/>
-              <a:t>11</a:t>
+              <a:t>12</a:t>
             </a:fld>
             <a:endParaRPr lang="en-US"/>
           </a:p>
@@ -14729,7 +15340,7 @@
 </p:sld>
 </file>
 
-<file path=ppt/slides/slide12.xml><?xml version="1.0" encoding="utf-8"?>
+<file path=ppt/slides/slide13.xml><?xml version="1.0" encoding="utf-8"?>
 <p:sld xmlns:a="http://schemas.openxmlformats.org/drawingml/2006/main" xmlns:r="http://schemas.openxmlformats.org/officeDocument/2006/relationships" xmlns:p="http://schemas.openxmlformats.org/presentationml/2006/main">
   <p:cSld>
     <p:spTree>
@@ -15019,7 +15630,7 @@
           <a:p>
             <a:fld id="{1633171A-E30C-4A24-9CC4-E035DC77CF5A}" type="slidenum">
               <a:rPr lang="en-US" smtClean="0"/>
-              <a:t>12</a:t>
+              <a:t>13</a:t>
             </a:fld>
             <a:endParaRPr lang="en-US"/>
           </a:p>
@@ -15045,7 +15656,7 @@
 </p:sld>
 </file>
 
-<file path=ppt/slides/slide13.xml><?xml version="1.0" encoding="utf-8"?>
+<file path=ppt/slides/slide14.xml><?xml version="1.0" encoding="utf-8"?>
 <p:sld xmlns:a="http://schemas.openxmlformats.org/drawingml/2006/main" xmlns:r="http://schemas.openxmlformats.org/officeDocument/2006/relationships" xmlns:p="http://schemas.openxmlformats.org/presentationml/2006/main">
   <p:cSld>
     <p:spTree>
@@ -15154,10 +15765,6 @@
               </a:rPr>
               <a:t>Abstractions should not depend upon details. Details should depend upon abstractions.</a:t>
             </a:r>
-            <a:endParaRPr lang="en-US" dirty="0">
-              <a:latin typeface="Times New Roman" pitchFamily="18" charset="0"/>
-              <a:cs typeface="Times New Roman" pitchFamily="18" charset="0"/>
-            </a:endParaRPr>
           </a:p>
         </p:txBody>
       </p:sp>
@@ -15224,7 +15831,7 @@
           <a:p>
             <a:fld id="{1633171A-E30C-4A24-9CC4-E035DC77CF5A}" type="slidenum">
               <a:rPr lang="en-US" smtClean="0"/>
-              <a:t>13</a:t>
+              <a:t>14</a:t>
             </a:fld>
             <a:endParaRPr lang="en-US"/>
           </a:p>
@@ -15250,7 +15857,7 @@
 </p:sld>
 </file>
 
-<file path=ppt/slides/slide14.xml><?xml version="1.0" encoding="utf-8"?>
+<file path=ppt/slides/slide15.xml><?xml version="1.0" encoding="utf-8"?>
 <p:sld xmlns:a="http://schemas.openxmlformats.org/drawingml/2006/main" xmlns:r="http://schemas.openxmlformats.org/officeDocument/2006/relationships" xmlns:p="http://schemas.openxmlformats.org/presentationml/2006/main">
   <p:cSld>
     <p:spTree>
@@ -15545,7 +16152,7 @@
           <a:p>
             <a:fld id="{1633171A-E30C-4A24-9CC4-E035DC77CF5A}" type="slidenum">
               <a:rPr lang="en-US" smtClean="0"/>
-              <a:t>14</a:t>
+              <a:t>15</a:t>
             </a:fld>
             <a:endParaRPr lang="en-US"/>
           </a:p>
@@ -15571,7 +16178,7 @@
 </p:sld>
 </file>
 
-<file path=ppt/slides/slide15.xml><?xml version="1.0" encoding="utf-8"?>
+<file path=ppt/slides/slide16.xml><?xml version="1.0" encoding="utf-8"?>
 <p:sld xmlns:a="http://schemas.openxmlformats.org/drawingml/2006/main" xmlns:r="http://schemas.openxmlformats.org/officeDocument/2006/relationships" xmlns:p="http://schemas.openxmlformats.org/presentationml/2006/main">
   <p:cSld>
     <p:spTree>
@@ -15737,7 +16344,7 @@
           <a:p>
             <a:fld id="{1633171A-E30C-4A24-9CC4-E035DC77CF5A}" type="slidenum">
               <a:rPr lang="en-US" smtClean="0"/>
-              <a:t>15</a:t>
+              <a:t>16</a:t>
             </a:fld>
             <a:endParaRPr lang="en-US"/>
           </a:p>
@@ -16534,11 +17141,361 @@
               </a:rPr>
               <a:t> – The Single Responsibility Principle</a:t>
             </a:r>
-            <a:endParaRPr lang="en-US" b="1" dirty="0">
-              <a:solidFill>
-                <a:srgbClr val="0070C0"/>
-              </a:solidFill>
-            </a:endParaRPr>
+          </a:p>
+        </p:txBody>
+      </p:sp>
+      <p:sp>
+        <p:nvSpPr>
+          <p:cNvPr id="6" name="Content Placeholder 2"/>
+          <p:cNvSpPr>
+            <a:spLocks noGrp="1"/>
+          </p:cNvSpPr>
+          <p:nvPr>
+            <p:ph idx="1"/>
+          </p:nvPr>
+        </p:nvSpPr>
+        <p:spPr>
+          <a:prstGeom prst="rect">
+            <a:avLst/>
+          </a:prstGeom>
+        </p:spPr>
+        <p:txBody>
+          <a:bodyPr vert="horz" lIns="91440" tIns="45720" rIns="91440" bIns="45720" rtlCol="0">
+            <a:normAutofit lnSpcReduction="10000"/>
+          </a:bodyPr>
+          <a:lstStyle>
+            <a:lvl1pPr marL="342900" indent="-342900" algn="l" defTabSz="914400" rtl="0" eaLnBrk="1" latinLnBrk="0" hangingPunct="1">
+              <a:spcBef>
+                <a:spcPct val="20000"/>
+              </a:spcBef>
+              <a:buFont typeface="Arial" pitchFamily="34" charset="0"/>
+              <a:buChar char="•"/>
+              <a:defRPr sz="3200" kern="1200">
+                <a:solidFill>
+                  <a:schemeClr val="tx1"/>
+                </a:solidFill>
+                <a:latin typeface="+mn-lt"/>
+                <a:ea typeface="+mn-ea"/>
+                <a:cs typeface="+mn-cs"/>
+              </a:defRPr>
+            </a:lvl1pPr>
+            <a:lvl2pPr marL="742950" indent="-285750" algn="l" defTabSz="914400" rtl="0" eaLnBrk="1" latinLnBrk="0" hangingPunct="1">
+              <a:spcBef>
+                <a:spcPct val="20000"/>
+              </a:spcBef>
+              <a:buFont typeface="Arial" pitchFamily="34" charset="0"/>
+              <a:buChar char="–"/>
+              <a:defRPr sz="2800" kern="1200">
+                <a:solidFill>
+                  <a:schemeClr val="tx1"/>
+                </a:solidFill>
+                <a:latin typeface="+mn-lt"/>
+                <a:ea typeface="+mn-ea"/>
+                <a:cs typeface="+mn-cs"/>
+              </a:defRPr>
+            </a:lvl2pPr>
+            <a:lvl3pPr marL="1143000" indent="-228600" algn="l" defTabSz="914400" rtl="0" eaLnBrk="1" latinLnBrk="0" hangingPunct="1">
+              <a:spcBef>
+                <a:spcPct val="20000"/>
+              </a:spcBef>
+              <a:buFont typeface="Arial" pitchFamily="34" charset="0"/>
+              <a:buChar char="•"/>
+              <a:defRPr sz="2400" kern="1200">
+                <a:solidFill>
+                  <a:schemeClr val="tx1"/>
+                </a:solidFill>
+                <a:latin typeface="+mn-lt"/>
+                <a:ea typeface="+mn-ea"/>
+                <a:cs typeface="+mn-cs"/>
+              </a:defRPr>
+            </a:lvl3pPr>
+            <a:lvl4pPr marL="1600200" indent="-228600" algn="l" defTabSz="914400" rtl="0" eaLnBrk="1" latinLnBrk="0" hangingPunct="1">
+              <a:spcBef>
+                <a:spcPct val="20000"/>
+              </a:spcBef>
+              <a:buFont typeface="Arial" pitchFamily="34" charset="0"/>
+              <a:buChar char="–"/>
+              <a:defRPr sz="2000" kern="1200">
+                <a:solidFill>
+                  <a:schemeClr val="tx1"/>
+                </a:solidFill>
+                <a:latin typeface="+mn-lt"/>
+                <a:ea typeface="+mn-ea"/>
+                <a:cs typeface="+mn-cs"/>
+              </a:defRPr>
+            </a:lvl4pPr>
+            <a:lvl5pPr marL="2057400" indent="-228600" algn="l" defTabSz="914400" rtl="0" eaLnBrk="1" latinLnBrk="0" hangingPunct="1">
+              <a:spcBef>
+                <a:spcPct val="20000"/>
+              </a:spcBef>
+              <a:buFont typeface="Arial" pitchFamily="34" charset="0"/>
+              <a:buChar char="»"/>
+              <a:defRPr sz="2000" kern="1200">
+                <a:solidFill>
+                  <a:schemeClr val="tx1"/>
+                </a:solidFill>
+                <a:latin typeface="+mn-lt"/>
+                <a:ea typeface="+mn-ea"/>
+                <a:cs typeface="+mn-cs"/>
+              </a:defRPr>
+            </a:lvl5pPr>
+            <a:lvl6pPr marL="2514600" indent="-228600" algn="l" defTabSz="914400" rtl="0" eaLnBrk="1" latinLnBrk="0" hangingPunct="1">
+              <a:spcBef>
+                <a:spcPct val="20000"/>
+              </a:spcBef>
+              <a:buFont typeface="Arial" pitchFamily="34" charset="0"/>
+              <a:buChar char="•"/>
+              <a:defRPr sz="2000" kern="1200">
+                <a:solidFill>
+                  <a:schemeClr val="tx1"/>
+                </a:solidFill>
+                <a:latin typeface="+mn-lt"/>
+                <a:ea typeface="+mn-ea"/>
+                <a:cs typeface="+mn-cs"/>
+              </a:defRPr>
+            </a:lvl6pPr>
+            <a:lvl7pPr marL="2971800" indent="-228600" algn="l" defTabSz="914400" rtl="0" eaLnBrk="1" latinLnBrk="0" hangingPunct="1">
+              <a:spcBef>
+                <a:spcPct val="20000"/>
+              </a:spcBef>
+              <a:buFont typeface="Arial" pitchFamily="34" charset="0"/>
+              <a:buChar char="•"/>
+              <a:defRPr sz="2000" kern="1200">
+                <a:solidFill>
+                  <a:schemeClr val="tx1"/>
+                </a:solidFill>
+                <a:latin typeface="+mn-lt"/>
+                <a:ea typeface="+mn-ea"/>
+                <a:cs typeface="+mn-cs"/>
+              </a:defRPr>
+            </a:lvl7pPr>
+            <a:lvl8pPr marL="3429000" indent="-228600" algn="l" defTabSz="914400" rtl="0" eaLnBrk="1" latinLnBrk="0" hangingPunct="1">
+              <a:spcBef>
+                <a:spcPct val="20000"/>
+              </a:spcBef>
+              <a:buFont typeface="Arial" pitchFamily="34" charset="0"/>
+              <a:buChar char="•"/>
+              <a:defRPr sz="2000" kern="1200">
+                <a:solidFill>
+                  <a:schemeClr val="tx1"/>
+                </a:solidFill>
+                <a:latin typeface="+mn-lt"/>
+                <a:ea typeface="+mn-ea"/>
+                <a:cs typeface="+mn-cs"/>
+              </a:defRPr>
+            </a:lvl8pPr>
+            <a:lvl9pPr marL="3886200" indent="-228600" algn="l" defTabSz="914400" rtl="0" eaLnBrk="1" latinLnBrk="0" hangingPunct="1">
+              <a:spcBef>
+                <a:spcPct val="20000"/>
+              </a:spcBef>
+              <a:buFont typeface="Arial" pitchFamily="34" charset="0"/>
+              <a:buChar char="•"/>
+              <a:defRPr sz="2000" kern="1200">
+                <a:solidFill>
+                  <a:schemeClr val="tx1"/>
+                </a:solidFill>
+                <a:latin typeface="+mn-lt"/>
+                <a:ea typeface="+mn-ea"/>
+                <a:cs typeface="+mn-cs"/>
+              </a:defRPr>
+            </a:lvl9pPr>
+          </a:lstStyle>
+          <a:p>
+            <a:r>
+              <a:rPr lang="en-US" dirty="0">
+                <a:latin typeface="Times New Roman" pitchFamily="18" charset="0"/>
+                <a:cs typeface="Times New Roman" pitchFamily="18" charset="0"/>
+              </a:rPr>
+              <a:t>A class </a:t>
+            </a:r>
+            <a:r>
+              <a:rPr lang="en-US" dirty="0" smtClean="0">
+                <a:latin typeface="Times New Roman" pitchFamily="18" charset="0"/>
+                <a:cs typeface="Times New Roman" pitchFamily="18" charset="0"/>
+              </a:rPr>
+              <a:t>should </a:t>
+            </a:r>
+            <a:r>
+              <a:rPr lang="en-US" dirty="0">
+                <a:latin typeface="Times New Roman" pitchFamily="18" charset="0"/>
+                <a:cs typeface="Times New Roman" pitchFamily="18" charset="0"/>
+              </a:rPr>
+              <a:t>have only one reason to change</a:t>
+            </a:r>
+            <a:r>
+              <a:rPr lang="en-US" dirty="0" smtClean="0">
+                <a:latin typeface="Times New Roman" pitchFamily="18" charset="0"/>
+                <a:cs typeface="Times New Roman" pitchFamily="18" charset="0"/>
+              </a:rPr>
+              <a:t>.</a:t>
+            </a:r>
+          </a:p>
+          <a:p>
+            <a:r>
+              <a:rPr lang="en-US" dirty="0">
+                <a:latin typeface="Times New Roman" pitchFamily="18" charset="0"/>
+                <a:cs typeface="Times New Roman" pitchFamily="18" charset="0"/>
+              </a:rPr>
+              <a:t>E</a:t>
+            </a:r>
+            <a:r>
+              <a:rPr lang="en-US" dirty="0" smtClean="0">
+                <a:latin typeface="Times New Roman" pitchFamily="18" charset="0"/>
+                <a:cs typeface="Times New Roman" pitchFamily="18" charset="0"/>
+              </a:rPr>
+              <a:t>ach responsibility is an axis of change.</a:t>
+            </a:r>
+          </a:p>
+          <a:p>
+            <a:r>
+              <a:rPr lang="en-US" dirty="0" smtClean="0">
+                <a:latin typeface="Times New Roman" pitchFamily="18" charset="0"/>
+                <a:cs typeface="Times New Roman" pitchFamily="18" charset="0"/>
+              </a:rPr>
+              <a:t>In </a:t>
+            </a:r>
+            <a:r>
+              <a:rPr lang="en-US" dirty="0">
+                <a:latin typeface="Times New Roman" pitchFamily="18" charset="0"/>
+                <a:cs typeface="Times New Roman" pitchFamily="18" charset="0"/>
+              </a:rPr>
+              <a:t>general, a class is assigned the responsibility to know or do something(one thing</a:t>
+            </a:r>
+            <a:r>
+              <a:rPr lang="en-US" dirty="0" smtClean="0">
+                <a:latin typeface="Times New Roman" pitchFamily="18" charset="0"/>
+                <a:cs typeface="Times New Roman" pitchFamily="18" charset="0"/>
+              </a:rPr>
+              <a:t>)</a:t>
+            </a:r>
+          </a:p>
+          <a:p>
+            <a:r>
+              <a:rPr lang="en-US" dirty="0" smtClean="0">
+                <a:latin typeface="Times New Roman" pitchFamily="18" charset="0"/>
+                <a:cs typeface="Times New Roman" pitchFamily="18" charset="0"/>
+              </a:rPr>
+              <a:t>Example: </a:t>
+            </a:r>
+          </a:p>
+          <a:p>
+            <a:pPr>
+              <a:buFont typeface="Courier New" pitchFamily="49" charset="0"/>
+              <a:buChar char="o"/>
+            </a:pPr>
+            <a:r>
+              <a:rPr lang="en-US" dirty="0" smtClean="0">
+                <a:latin typeface="Times New Roman" pitchFamily="18" charset="0"/>
+                <a:cs typeface="Times New Roman" pitchFamily="18" charset="0"/>
+              </a:rPr>
+              <a:t>Class draw is used to drawing </a:t>
+            </a:r>
+          </a:p>
+          <a:p>
+            <a:pPr>
+              <a:buFont typeface="Courier New" pitchFamily="49" charset="0"/>
+              <a:buChar char="o"/>
+            </a:pPr>
+            <a:r>
+              <a:rPr lang="en-US" dirty="0" smtClean="0">
+                <a:latin typeface="Times New Roman" pitchFamily="18" charset="0"/>
+                <a:cs typeface="Times New Roman" pitchFamily="18" charset="0"/>
+              </a:rPr>
+              <a:t>Class area is used </a:t>
+            </a:r>
+            <a:r>
+              <a:rPr lang="en-US" dirty="0">
+                <a:latin typeface="Times New Roman" pitchFamily="18" charset="0"/>
+                <a:cs typeface="Times New Roman" pitchFamily="18" charset="0"/>
+              </a:rPr>
+              <a:t>to </a:t>
+            </a:r>
+            <a:r>
+              <a:rPr lang="en-US" dirty="0" smtClean="0">
+                <a:latin typeface="Times New Roman" pitchFamily="18" charset="0"/>
+                <a:cs typeface="Times New Roman" pitchFamily="18" charset="0"/>
+              </a:rPr>
+              <a:t>executing area </a:t>
+            </a:r>
+          </a:p>
+        </p:txBody>
+      </p:sp>
+    </p:spTree>
+    <p:extLst>
+      <p:ext uri="{BB962C8B-B14F-4D97-AF65-F5344CB8AC3E}">
+        <p14:creationId xmlns:p14="http://schemas.microsoft.com/office/powerpoint/2010/main" val="873960624"/>
+      </p:ext>
+    </p:extLst>
+  </p:cSld>
+  <p:clrMapOvr>
+    <a:masterClrMapping/>
+  </p:clrMapOvr>
+  <p:timing>
+    <p:tnLst>
+      <p:par>
+        <p:cTn id="1" dur="indefinite" restart="never" nodeType="tmRoot"/>
+      </p:par>
+    </p:tnLst>
+  </p:timing>
+</p:sld>
+</file>
+
+<file path=ppt/slides/slide4.xml><?xml version="1.0" encoding="utf-8"?>
+<p:sld xmlns:a="http://schemas.openxmlformats.org/drawingml/2006/main" xmlns:r="http://schemas.openxmlformats.org/officeDocument/2006/relationships" xmlns:p="http://schemas.openxmlformats.org/presentationml/2006/main">
+  <p:cSld>
+    <p:spTree>
+      <p:nvGrpSpPr>
+        <p:cNvPr id="1" name=""/>
+        <p:cNvGrpSpPr/>
+        <p:nvPr/>
+      </p:nvGrpSpPr>
+      <p:grpSpPr>
+        <a:xfrm>
+          <a:off x="0" y="0"/>
+          <a:ext cx="0" cy="0"/>
+          <a:chOff x="0" y="0"/>
+          <a:chExt cx="0" cy="0"/>
+        </a:xfrm>
+      </p:grpSpPr>
+      <p:sp>
+        <p:nvSpPr>
+          <p:cNvPr id="5" name="Title 1"/>
+          <p:cNvSpPr>
+            <a:spLocks noGrp="1"/>
+          </p:cNvSpPr>
+          <p:nvPr>
+            <p:ph type="title"/>
+          </p:nvPr>
+        </p:nvSpPr>
+        <p:spPr>
+          <a:xfrm>
+            <a:off x="426128" y="408372"/>
+            <a:ext cx="8260672" cy="1039427"/>
+          </a:xfrm>
+        </p:spPr>
+        <p:txBody>
+          <a:bodyPr>
+            <a:normAutofit fontScale="90000"/>
+          </a:bodyPr>
+          <a:lstStyle/>
+          <a:p>
+            <a:pPr lvl="0"/>
+            <a:r>
+              <a:rPr lang="en-US" b="1" dirty="0" smtClean="0">
+                <a:solidFill>
+                  <a:srgbClr val="0070C0"/>
+                </a:solidFill>
+              </a:rPr>
+              <a:t>S</a:t>
+            </a:r>
+            <a:r>
+              <a:rPr lang="en-US" b="1" dirty="0">
+                <a:solidFill>
+                  <a:srgbClr val="0070C0"/>
+                </a:solidFill>
+              </a:rPr>
+              <a:t> – The Single Responsibility Principle</a:t>
+            </a:r>
           </a:p>
         </p:txBody>
       </p:sp>
@@ -16873,7 +17830,7 @@
           <a:p>
             <a:fld id="{1633171A-E30C-4A24-9CC4-E035DC77CF5A}" type="slidenum">
               <a:rPr lang="en-US" smtClean="0"/>
-              <a:t>3</a:t>
+              <a:t>4</a:t>
             </a:fld>
             <a:endParaRPr lang="en-US"/>
           </a:p>
@@ -16899,7 +17856,7 @@
 </p:sld>
 </file>
 
-<file path=ppt/slides/slide4.xml><?xml version="1.0" encoding="utf-8"?>
+<file path=ppt/slides/slide5.xml><?xml version="1.0" encoding="utf-8"?>
 <p:sld xmlns:a="http://schemas.openxmlformats.org/drawingml/2006/main" xmlns:r="http://schemas.openxmlformats.org/officeDocument/2006/relationships" xmlns:p="http://schemas.openxmlformats.org/presentationml/2006/main">
   <p:cSld>
     <p:spTree>
@@ -16955,11 +17912,6 @@
               </a:rPr>
               <a:t> – The Single Responsibility Principle</a:t>
             </a:r>
-            <a:endParaRPr lang="en-US" b="1" dirty="0">
-              <a:solidFill>
-                <a:srgbClr val="0070C0"/>
-              </a:solidFill>
-            </a:endParaRPr>
           </a:p>
         </p:txBody>
       </p:sp>
@@ -17263,7 +18215,7 @@
           <a:p>
             <a:fld id="{1633171A-E30C-4A24-9CC4-E035DC77CF5A}" type="slidenum">
               <a:rPr lang="en-US" smtClean="0"/>
-              <a:t>4</a:t>
+              <a:t>5</a:t>
             </a:fld>
             <a:endParaRPr lang="en-US"/>
           </a:p>
@@ -17289,7 +18241,7 @@
 </p:sld>
 </file>
 
-<file path=ppt/slides/slide5.xml><?xml version="1.0" encoding="utf-8"?>
+<file path=ppt/slides/slide6.xml><?xml version="1.0" encoding="utf-8"?>
 <p:sld xmlns:a="http://schemas.openxmlformats.org/drawingml/2006/main" xmlns:r="http://schemas.openxmlformats.org/officeDocument/2006/relationships" xmlns:p="http://schemas.openxmlformats.org/presentationml/2006/main">
   <p:cSld>
     <p:spTree>
@@ -17643,7 +18595,7 @@
           <a:p>
             <a:fld id="{1633171A-E30C-4A24-9CC4-E035DC77CF5A}" type="slidenum">
               <a:rPr lang="en-US" smtClean="0"/>
-              <a:t>5</a:t>
+              <a:t>6</a:t>
             </a:fld>
             <a:endParaRPr lang="en-US"/>
           </a:p>
@@ -17669,7 +18621,7 @@
 </p:sld>
 </file>
 
-<file path=ppt/slides/slide6.xml><?xml version="1.0" encoding="utf-8"?>
+<file path=ppt/slides/slide7.xml><?xml version="1.0" encoding="utf-8"?>
 <p:sld xmlns:a="http://schemas.openxmlformats.org/drawingml/2006/main" xmlns:r="http://schemas.openxmlformats.org/officeDocument/2006/relationships" xmlns:p="http://schemas.openxmlformats.org/presentationml/2006/main">
   <p:cSld>
     <p:spTree>
@@ -18120,7 +19072,7 @@
           <a:p>
             <a:fld id="{1633171A-E30C-4A24-9CC4-E035DC77CF5A}" type="slidenum">
               <a:rPr lang="en-US" smtClean="0"/>
-              <a:t>6</a:t>
+              <a:t>7</a:t>
             </a:fld>
             <a:endParaRPr lang="en-US"/>
           </a:p>
@@ -18130,224 +19082,6 @@
     <p:extLst>
       <p:ext uri="{BB962C8B-B14F-4D97-AF65-F5344CB8AC3E}">
         <p14:creationId xmlns:p14="http://schemas.microsoft.com/office/powerpoint/2010/main" val="700793222"/>
-      </p:ext>
-    </p:extLst>
-  </p:cSld>
-  <p:clrMapOvr>
-    <a:masterClrMapping/>
-  </p:clrMapOvr>
-  <p:timing>
-    <p:tnLst>
-      <p:par>
-        <p:cTn id="1" dur="indefinite" restart="never" nodeType="tmRoot"/>
-      </p:par>
-    </p:tnLst>
-  </p:timing>
-</p:sld>
-</file>
-
-<file path=ppt/slides/slide7.xml><?xml version="1.0" encoding="utf-8"?>
-<p:sld xmlns:a="http://schemas.openxmlformats.org/drawingml/2006/main" xmlns:r="http://schemas.openxmlformats.org/officeDocument/2006/relationships" xmlns:p="http://schemas.openxmlformats.org/presentationml/2006/main">
-  <p:cSld>
-    <p:spTree>
-      <p:nvGrpSpPr>
-        <p:cNvPr id="1" name=""/>
-        <p:cNvGrpSpPr/>
-        <p:nvPr/>
-      </p:nvGrpSpPr>
-      <p:grpSpPr>
-        <a:xfrm>
-          <a:off x="0" y="0"/>
-          <a:ext cx="0" cy="0"/>
-          <a:chOff x="0" y="0"/>
-          <a:chExt cx="0" cy="0"/>
-        </a:xfrm>
-      </p:grpSpPr>
-      <p:sp>
-        <p:nvSpPr>
-          <p:cNvPr id="3" name="Content Placeholder 2"/>
-          <p:cNvSpPr>
-            <a:spLocks noGrp="1"/>
-          </p:cNvSpPr>
-          <p:nvPr>
-            <p:ph idx="1"/>
-          </p:nvPr>
-        </p:nvSpPr>
-        <p:spPr/>
-        <p:txBody>
-          <a:bodyPr>
-            <a:normAutofit/>
-          </a:bodyPr>
-          <a:lstStyle/>
-          <a:p>
-            <a:pPr marL="114300" indent="0">
-              <a:buNone/>
-            </a:pPr>
-            <a:r>
-              <a:rPr lang="en-US" sz="1600" i="1" dirty="0" smtClean="0"/>
-              <a:t>“What </a:t>
-            </a:r>
-            <a:r>
-              <a:rPr lang="en-US" sz="1600" i="1" dirty="0"/>
-              <a:t>is wanted here is something like the following substitution property: If for each object o2 of type S there is an object o1 of type T such that for all programs P defined in terms of T, the behavior of P is unchanged when o1 is substituted for o2 then S is </a:t>
-            </a:r>
-            <a:r>
-              <a:rPr lang="en-US" sz="1600" i="1" dirty="0" smtClean="0"/>
-              <a:t>subtype </a:t>
-            </a:r>
-            <a:r>
-              <a:rPr lang="en-US" sz="1600" i="1" dirty="0"/>
-              <a:t>of </a:t>
-            </a:r>
-            <a:r>
-              <a:rPr lang="en-US" sz="1600" i="1" dirty="0" smtClean="0"/>
-              <a:t>T”</a:t>
-            </a:r>
-          </a:p>
-          <a:p>
-            <a:pPr marL="114300" indent="0" algn="r">
-              <a:buNone/>
-            </a:pPr>
-            <a:r>
-              <a:rPr lang="en-US" sz="1600" b="1" i="1" dirty="0" smtClean="0"/>
-              <a:t>--Barbara </a:t>
-            </a:r>
-            <a:r>
-              <a:rPr lang="en-US" sz="1600" b="1" i="1" dirty="0" err="1"/>
-              <a:t>Liskov</a:t>
-            </a:r>
-            <a:endParaRPr lang="en-US" sz="1600" b="1" i="1" dirty="0"/>
-          </a:p>
-        </p:txBody>
-      </p:sp>
-      <p:sp>
-        <p:nvSpPr>
-          <p:cNvPr id="5" name="Title 1"/>
-          <p:cNvSpPr>
-            <a:spLocks noGrp="1"/>
-          </p:cNvSpPr>
-          <p:nvPr>
-            <p:ph type="title"/>
-          </p:nvPr>
-        </p:nvSpPr>
-        <p:spPr>
-          <a:xfrm>
-            <a:off x="426128" y="408372"/>
-            <a:ext cx="8260672" cy="1039427"/>
-          </a:xfrm>
-        </p:spPr>
-        <p:txBody>
-          <a:bodyPr>
-            <a:normAutofit fontScale="90000"/>
-          </a:bodyPr>
-          <a:lstStyle/>
-          <a:p>
-            <a:pPr lvl="0"/>
-            <a:r>
-              <a:rPr lang="en-US" b="1" dirty="0">
-                <a:solidFill>
-                  <a:srgbClr val="0070C0"/>
-                </a:solidFill>
-              </a:rPr>
-              <a:t>L – </a:t>
-            </a:r>
-            <a:r>
-              <a:rPr lang="en-US" b="1" dirty="0" err="1">
-                <a:solidFill>
-                  <a:srgbClr val="0070C0"/>
-                </a:solidFill>
-              </a:rPr>
-              <a:t>Liskov</a:t>
-            </a:r>
-            <a:r>
-              <a:rPr lang="en-US" b="1" dirty="0">
-                <a:solidFill>
-                  <a:srgbClr val="0070C0"/>
-                </a:solidFill>
-              </a:rPr>
-              <a:t> substitution principle</a:t>
-            </a:r>
-            <a:endParaRPr lang="en-US" b="1" dirty="0">
-              <a:solidFill>
-                <a:srgbClr val="0070C0"/>
-              </a:solidFill>
-            </a:endParaRPr>
-          </a:p>
-        </p:txBody>
-      </p:sp>
-      <p:sp>
-        <p:nvSpPr>
-          <p:cNvPr id="2" name="Date Placeholder 1"/>
-          <p:cNvSpPr>
-            <a:spLocks noGrp="1"/>
-          </p:cNvSpPr>
-          <p:nvPr>
-            <p:ph type="dt" sz="half" idx="10"/>
-          </p:nvPr>
-        </p:nvSpPr>
-        <p:spPr/>
-        <p:txBody>
-          <a:bodyPr/>
-          <a:lstStyle/>
-          <a:p>
-            <a:fld id="{5F2B3FEC-3DB4-4EC1-869D-8DC8F099F745}" type="datetime1">
-              <a:rPr lang="en-US" smtClean="0"/>
-              <a:t>8/18/2016</a:t>
-            </a:fld>
-            <a:endParaRPr lang="en-US"/>
-          </a:p>
-        </p:txBody>
-      </p:sp>
-      <p:sp>
-        <p:nvSpPr>
-          <p:cNvPr id="4" name="Footer Placeholder 3"/>
-          <p:cNvSpPr>
-            <a:spLocks noGrp="1"/>
-          </p:cNvSpPr>
-          <p:nvPr>
-            <p:ph type="ftr" sz="quarter" idx="11"/>
-          </p:nvPr>
-        </p:nvSpPr>
-        <p:spPr/>
-        <p:txBody>
-          <a:bodyPr/>
-          <a:lstStyle/>
-          <a:p>
-            <a:r>
-              <a:rPr lang="en-US" smtClean="0"/>
-              <a:t>GCS-TRA</a:t>
-            </a:r>
-            <a:endParaRPr lang="en-US"/>
-          </a:p>
-        </p:txBody>
-      </p:sp>
-      <p:sp>
-        <p:nvSpPr>
-          <p:cNvPr id="6" name="Slide Number Placeholder 5"/>
-          <p:cNvSpPr>
-            <a:spLocks noGrp="1"/>
-          </p:cNvSpPr>
-          <p:nvPr>
-            <p:ph type="sldNum" sz="quarter" idx="12"/>
-          </p:nvPr>
-        </p:nvSpPr>
-        <p:spPr/>
-        <p:txBody>
-          <a:bodyPr/>
-          <a:lstStyle/>
-          <a:p>
-            <a:fld id="{1633171A-E30C-4A24-9CC4-E035DC77CF5A}" type="slidenum">
-              <a:rPr lang="en-US" smtClean="0"/>
-              <a:t>7</a:t>
-            </a:fld>
-            <a:endParaRPr lang="en-US"/>
-          </a:p>
-        </p:txBody>
-      </p:sp>
-    </p:spTree>
-    <p:extLst>
-      <p:ext uri="{BB962C8B-B14F-4D97-AF65-F5344CB8AC3E}">
-        <p14:creationId xmlns:p14="http://schemas.microsoft.com/office/powerpoint/2010/main" val="1356958418"/>
       </p:ext>
     </p:extLst>
   </p:cSld>
@@ -18391,12 +19125,7 @@
             <p:ph idx="1"/>
           </p:nvPr>
         </p:nvSpPr>
-        <p:spPr>
-          <a:xfrm>
-            <a:off x="457200" y="5257800"/>
-            <a:ext cx="8229600" cy="868363"/>
-          </a:xfrm>
-        </p:spPr>
+        <p:spPr/>
         <p:txBody>
           <a:bodyPr>
             <a:normAutofit/>
@@ -18407,52 +19136,37 @@
               <a:buNone/>
             </a:pPr>
             <a:r>
-              <a:rPr lang="en-US" sz="1600" b="1" dirty="0"/>
-              <a:t>Covariance of </a:t>
-            </a:r>
-            <a:r>
-              <a:rPr lang="en-US" sz="1600" b="1" dirty="0">
-                <a:solidFill>
-                  <a:srgbClr val="0070C0"/>
-                </a:solidFill>
-              </a:rPr>
-              <a:t>return types </a:t>
-            </a:r>
-            <a:r>
-              <a:rPr lang="en-US" sz="1600" b="1" dirty="0"/>
-              <a:t>in the subtype</a:t>
-            </a:r>
-            <a:r>
-              <a:rPr lang="en-US" sz="1600" b="1" i="1" dirty="0"/>
-              <a:t>. If the superclass has a method that returns an </a:t>
-            </a:r>
+              <a:rPr lang="en-US" sz="1600" i="1" dirty="0" smtClean="0"/>
+              <a:t>“What </a:t>
+            </a:r>
+            <a:r>
+              <a:rPr lang="en-US" sz="1600" i="1" dirty="0"/>
+              <a:t>is wanted here is something like the following substitution property: If for each object o2 of type S there is an object o1 of type T such that for all programs P defined in terms of T, the behavior of P is unchanged when o1 is substituted for o2 then S is </a:t>
+            </a:r>
+            <a:r>
+              <a:rPr lang="en-US" sz="1600" i="1" dirty="0" smtClean="0"/>
+              <a:t>subtype </a:t>
+            </a:r>
+            <a:r>
+              <a:rPr lang="en-US" sz="1600" i="1" dirty="0"/>
+              <a:t>of </a:t>
+            </a:r>
+            <a:r>
+              <a:rPr lang="en-US" sz="1600" i="1" dirty="0" smtClean="0"/>
+              <a:t>T”</a:t>
+            </a:r>
+          </a:p>
+          <a:p>
+            <a:pPr marL="114300" indent="0" algn="r">
+              <a:buNone/>
+            </a:pPr>
             <a:r>
               <a:rPr lang="en-US" sz="1600" b="1" i="1" dirty="0" smtClean="0"/>
-              <a:t>Parent, </a:t>
-            </a:r>
-            <a:r>
-              <a:rPr lang="en-US" sz="1600" b="1" i="1" dirty="0"/>
-              <a:t>the subclass method should return an </a:t>
-            </a:r>
-            <a:r>
-              <a:rPr lang="en-US" sz="1600" b="1" i="1" dirty="0" smtClean="0"/>
-              <a:t>Parent, </a:t>
-            </a:r>
-            <a:r>
-              <a:rPr lang="en-US" sz="1600" b="1" i="1" dirty="0"/>
-              <a:t>or a subclass of </a:t>
-            </a:r>
-            <a:r>
-              <a:rPr lang="en-US" sz="1600" b="1" i="1" dirty="0" smtClean="0"/>
-              <a:t>Parent, </a:t>
-            </a:r>
-            <a:r>
-              <a:rPr lang="en-US" sz="1600" b="1" i="1" dirty="0"/>
-              <a:t>such as </a:t>
-            </a:r>
-            <a:r>
-              <a:rPr lang="en-US" sz="1600" b="1" i="1" dirty="0" smtClean="0"/>
-              <a:t>Child</a:t>
+              <a:t>--Barbara </a:t>
+            </a:r>
+            <a:r>
+              <a:rPr lang="en-US" sz="1600" b="1" i="1" dirty="0" err="1"/>
+              <a:t>Liskov</a:t>
             </a:r>
             <a:endParaRPr lang="en-US" sz="1600" b="1" i="1" dirty="0"/>
           </a:p>
@@ -18505,11 +19219,239 @@
               </a:rPr>
               <a:t> substitution principle</a:t>
             </a:r>
-            <a:endParaRPr lang="en-US" b="1" dirty="0">
-              <a:solidFill>
-                <a:srgbClr val="0070C0"/>
-              </a:solidFill>
-            </a:endParaRPr>
+          </a:p>
+        </p:txBody>
+      </p:sp>
+      <p:sp>
+        <p:nvSpPr>
+          <p:cNvPr id="2" name="Date Placeholder 1"/>
+          <p:cNvSpPr>
+            <a:spLocks noGrp="1"/>
+          </p:cNvSpPr>
+          <p:nvPr>
+            <p:ph type="dt" sz="half" idx="10"/>
+          </p:nvPr>
+        </p:nvSpPr>
+        <p:spPr/>
+        <p:txBody>
+          <a:bodyPr/>
+          <a:lstStyle/>
+          <a:p>
+            <a:fld id="{5F2B3FEC-3DB4-4EC1-869D-8DC8F099F745}" type="datetime1">
+              <a:rPr lang="en-US" smtClean="0"/>
+              <a:t>8/18/2016</a:t>
+            </a:fld>
+            <a:endParaRPr lang="en-US"/>
+          </a:p>
+        </p:txBody>
+      </p:sp>
+      <p:sp>
+        <p:nvSpPr>
+          <p:cNvPr id="4" name="Footer Placeholder 3"/>
+          <p:cNvSpPr>
+            <a:spLocks noGrp="1"/>
+          </p:cNvSpPr>
+          <p:nvPr>
+            <p:ph type="ftr" sz="quarter" idx="11"/>
+          </p:nvPr>
+        </p:nvSpPr>
+        <p:spPr/>
+        <p:txBody>
+          <a:bodyPr/>
+          <a:lstStyle/>
+          <a:p>
+            <a:r>
+              <a:rPr lang="en-US" smtClean="0"/>
+              <a:t>GCS-TRA</a:t>
+            </a:r>
+            <a:endParaRPr lang="en-US"/>
+          </a:p>
+        </p:txBody>
+      </p:sp>
+      <p:sp>
+        <p:nvSpPr>
+          <p:cNvPr id="6" name="Slide Number Placeholder 5"/>
+          <p:cNvSpPr>
+            <a:spLocks noGrp="1"/>
+          </p:cNvSpPr>
+          <p:nvPr>
+            <p:ph type="sldNum" sz="quarter" idx="12"/>
+          </p:nvPr>
+        </p:nvSpPr>
+        <p:spPr/>
+        <p:txBody>
+          <a:bodyPr/>
+          <a:lstStyle/>
+          <a:p>
+            <a:fld id="{1633171A-E30C-4A24-9CC4-E035DC77CF5A}" type="slidenum">
+              <a:rPr lang="en-US" smtClean="0"/>
+              <a:t>8</a:t>
+            </a:fld>
+            <a:endParaRPr lang="en-US"/>
+          </a:p>
+        </p:txBody>
+      </p:sp>
+    </p:spTree>
+    <p:extLst>
+      <p:ext uri="{BB962C8B-B14F-4D97-AF65-F5344CB8AC3E}">
+        <p14:creationId xmlns:p14="http://schemas.microsoft.com/office/powerpoint/2010/main" val="1356958418"/>
+      </p:ext>
+    </p:extLst>
+  </p:cSld>
+  <p:clrMapOvr>
+    <a:masterClrMapping/>
+  </p:clrMapOvr>
+  <p:timing>
+    <p:tnLst>
+      <p:par>
+        <p:cTn id="1" dur="indefinite" restart="never" nodeType="tmRoot"/>
+      </p:par>
+    </p:tnLst>
+  </p:timing>
+</p:sld>
+</file>
+
+<file path=ppt/slides/slide9.xml><?xml version="1.0" encoding="utf-8"?>
+<p:sld xmlns:a="http://schemas.openxmlformats.org/drawingml/2006/main" xmlns:r="http://schemas.openxmlformats.org/officeDocument/2006/relationships" xmlns:p="http://schemas.openxmlformats.org/presentationml/2006/main">
+  <p:cSld>
+    <p:spTree>
+      <p:nvGrpSpPr>
+        <p:cNvPr id="1" name=""/>
+        <p:cNvGrpSpPr/>
+        <p:nvPr/>
+      </p:nvGrpSpPr>
+      <p:grpSpPr>
+        <a:xfrm>
+          <a:off x="0" y="0"/>
+          <a:ext cx="0" cy="0"/>
+          <a:chOff x="0" y="0"/>
+          <a:chExt cx="0" cy="0"/>
+        </a:xfrm>
+      </p:grpSpPr>
+      <p:sp>
+        <p:nvSpPr>
+          <p:cNvPr id="3" name="Content Placeholder 2"/>
+          <p:cNvSpPr>
+            <a:spLocks noGrp="1"/>
+          </p:cNvSpPr>
+          <p:nvPr>
+            <p:ph idx="1"/>
+          </p:nvPr>
+        </p:nvSpPr>
+        <p:spPr>
+          <a:xfrm>
+            <a:off x="457200" y="5257800"/>
+            <a:ext cx="8229600" cy="868363"/>
+          </a:xfrm>
+        </p:spPr>
+        <p:txBody>
+          <a:bodyPr>
+            <a:normAutofit/>
+          </a:bodyPr>
+          <a:lstStyle/>
+          <a:p>
+            <a:pPr marL="114300" indent="0">
+              <a:buNone/>
+            </a:pPr>
+            <a:r>
+              <a:rPr lang="en-US" sz="1600" b="1" dirty="0"/>
+              <a:t>Covariance of </a:t>
+            </a:r>
+            <a:r>
+              <a:rPr lang="en-US" sz="1600" b="1" dirty="0">
+                <a:solidFill>
+                  <a:srgbClr val="0070C0"/>
+                </a:solidFill>
+              </a:rPr>
+              <a:t>return types </a:t>
+            </a:r>
+            <a:r>
+              <a:rPr lang="en-US" sz="1600" b="1" dirty="0"/>
+              <a:t>in the subtype</a:t>
+            </a:r>
+            <a:r>
+              <a:rPr lang="en-US" sz="1600" b="1" i="1" dirty="0"/>
+              <a:t>. If the superclass has a method that returns an </a:t>
+            </a:r>
+            <a:r>
+              <a:rPr lang="en-US" sz="1600" b="1" i="1" dirty="0" smtClean="0"/>
+              <a:t>Parent, </a:t>
+            </a:r>
+            <a:r>
+              <a:rPr lang="en-US" sz="1600" b="1" i="1" dirty="0"/>
+              <a:t>the subclass method should return an </a:t>
+            </a:r>
+            <a:r>
+              <a:rPr lang="en-US" sz="1600" b="1" i="1" dirty="0" smtClean="0"/>
+              <a:t>Parent, </a:t>
+            </a:r>
+            <a:r>
+              <a:rPr lang="en-US" sz="1600" b="1" i="1" dirty="0"/>
+              <a:t>or a subclass of </a:t>
+            </a:r>
+            <a:r>
+              <a:rPr lang="en-US" sz="1600" b="1" i="1" dirty="0" smtClean="0"/>
+              <a:t>Parent, </a:t>
+            </a:r>
+            <a:r>
+              <a:rPr lang="en-US" sz="1600" b="1" i="1" dirty="0"/>
+              <a:t>such as </a:t>
+            </a:r>
+            <a:r>
+              <a:rPr lang="en-US" sz="1600" b="1" i="1" dirty="0" smtClean="0"/>
+              <a:t>Child</a:t>
+            </a:r>
+            <a:endParaRPr lang="en-US" sz="1600" b="1" i="1" dirty="0"/>
+          </a:p>
+        </p:txBody>
+      </p:sp>
+      <p:sp>
+        <p:nvSpPr>
+          <p:cNvPr id="5" name="Title 1"/>
+          <p:cNvSpPr>
+            <a:spLocks noGrp="1"/>
+          </p:cNvSpPr>
+          <p:nvPr>
+            <p:ph type="title"/>
+          </p:nvPr>
+        </p:nvSpPr>
+        <p:spPr>
+          <a:xfrm>
+            <a:off x="426128" y="408372"/>
+            <a:ext cx="8260672" cy="1039427"/>
+          </a:xfrm>
+        </p:spPr>
+        <p:txBody>
+          <a:bodyPr>
+            <a:normAutofit fontScale="90000"/>
+          </a:bodyPr>
+          <a:lstStyle/>
+          <a:p>
+            <a:pPr lvl="0"/>
+            <a:r>
+              <a:rPr lang="en-US" b="1" dirty="0">
+                <a:solidFill>
+                  <a:srgbClr val="0070C0"/>
+                </a:solidFill>
+              </a:rPr>
+              <a:t>L – </a:t>
+            </a:r>
+            <a:r>
+              <a:rPr lang="en-US" b="1" dirty="0" err="1">
+                <a:solidFill>
+                  <a:srgbClr val="0070C0"/>
+                </a:solidFill>
+              </a:rPr>
+              <a:t>Liskov</a:t>
+            </a:r>
+            <a:r>
+              <a:rPr lang="en-US" b="1" dirty="0">
+                <a:solidFill>
+                  <a:srgbClr val="0070C0"/>
+                </a:solidFill>
+              </a:rPr>
+              <a:t> substitution principle</a:t>
+            </a:r>
           </a:p>
         </p:txBody>
       </p:sp>
@@ -18760,7 +19702,7 @@
           <a:p>
             <a:fld id="{1633171A-E30C-4A24-9CC4-E035DC77CF5A}" type="slidenum">
               <a:rPr lang="en-US" smtClean="0"/>
-              <a:t>8</a:t>
+              <a:t>9</a:t>
             </a:fld>
             <a:endParaRPr lang="en-US"/>
           </a:p>
@@ -18770,432 +19712,6 @@
     <p:extLst>
       <p:ext uri="{BB962C8B-B14F-4D97-AF65-F5344CB8AC3E}">
         <p14:creationId xmlns:p14="http://schemas.microsoft.com/office/powerpoint/2010/main" val="2074156200"/>
-      </p:ext>
-    </p:extLst>
-  </p:cSld>
-  <p:clrMapOvr>
-    <a:masterClrMapping/>
-  </p:clrMapOvr>
-  <p:timing>
-    <p:tnLst>
-      <p:par>
-        <p:cTn id="1" dur="indefinite" restart="never" nodeType="tmRoot"/>
-      </p:par>
-    </p:tnLst>
-  </p:timing>
-</p:sld>
-</file>
-
-<file path=ppt/slides/slide9.xml><?xml version="1.0" encoding="utf-8"?>
-<p:sld xmlns:a="http://schemas.openxmlformats.org/drawingml/2006/main" xmlns:r="http://schemas.openxmlformats.org/officeDocument/2006/relationships" xmlns:p="http://schemas.openxmlformats.org/presentationml/2006/main">
-  <p:cSld>
-    <p:spTree>
-      <p:nvGrpSpPr>
-        <p:cNvPr id="1" name=""/>
-        <p:cNvGrpSpPr/>
-        <p:nvPr/>
-      </p:nvGrpSpPr>
-      <p:grpSpPr>
-        <a:xfrm>
-          <a:off x="0" y="0"/>
-          <a:ext cx="0" cy="0"/>
-          <a:chOff x="0" y="0"/>
-          <a:chExt cx="0" cy="0"/>
-        </a:xfrm>
-      </p:grpSpPr>
-      <p:sp>
-        <p:nvSpPr>
-          <p:cNvPr id="3" name="Content Placeholder 2"/>
-          <p:cNvSpPr>
-            <a:spLocks noGrp="1"/>
-          </p:cNvSpPr>
-          <p:nvPr>
-            <p:ph idx="1"/>
-          </p:nvPr>
-        </p:nvSpPr>
-        <p:spPr>
-          <a:xfrm>
-            <a:off x="457200" y="5257800"/>
-            <a:ext cx="8229600" cy="868363"/>
-          </a:xfrm>
-        </p:spPr>
-        <p:txBody>
-          <a:bodyPr>
-            <a:normAutofit/>
-          </a:bodyPr>
-          <a:lstStyle/>
-          <a:p>
-            <a:pPr marL="114300" indent="0">
-              <a:buNone/>
-            </a:pPr>
-            <a:r>
-              <a:rPr lang="en-US" sz="1600" b="1" dirty="0" err="1"/>
-              <a:t>Contravariance</a:t>
-            </a:r>
-            <a:r>
-              <a:rPr lang="en-US" sz="1600" b="1" dirty="0"/>
-              <a:t> of method </a:t>
-            </a:r>
-            <a:r>
-              <a:rPr lang="en-US" sz="1600" b="1" dirty="0">
-                <a:solidFill>
-                  <a:srgbClr val="0070C0"/>
-                </a:solidFill>
-              </a:rPr>
-              <a:t>arguments</a:t>
-            </a:r>
-            <a:r>
-              <a:rPr lang="en-US" sz="1600" b="1" dirty="0"/>
-              <a:t> in the subtype: If the </a:t>
-            </a:r>
-            <a:r>
-              <a:rPr lang="en-US" sz="1600" b="1" dirty="0" err="1"/>
-              <a:t>superClass</a:t>
-            </a:r>
-            <a:r>
-              <a:rPr lang="en-US" sz="1600" b="1" dirty="0"/>
-              <a:t> has a method accepting a Cat, the subclass method should accept an argument of type Cat or </a:t>
-            </a:r>
-            <a:r>
-              <a:rPr lang="en-US" sz="1600" dirty="0"/>
-              <a:t>Calculation</a:t>
-            </a:r>
-            <a:r>
-              <a:rPr lang="en-US" sz="1600" b="1" dirty="0" smtClean="0"/>
-              <a:t>, </a:t>
-            </a:r>
-            <a:r>
-              <a:rPr lang="en-US" sz="1600" b="1" dirty="0"/>
-              <a:t>which is </a:t>
-            </a:r>
-            <a:r>
-              <a:rPr lang="en-US" sz="1600" b="1" dirty="0" err="1"/>
-              <a:t>superClass</a:t>
-            </a:r>
-            <a:r>
-              <a:rPr lang="en-US" sz="1600" b="1" dirty="0"/>
-              <a:t> for </a:t>
-            </a:r>
-            <a:r>
-              <a:rPr lang="en-US" sz="1600" dirty="0" err="1"/>
-              <a:t>My_Calculation</a:t>
-            </a:r>
-            <a:endParaRPr lang="en-US" sz="1600" b="1" i="1" dirty="0"/>
-          </a:p>
-        </p:txBody>
-      </p:sp>
-      <p:sp>
-        <p:nvSpPr>
-          <p:cNvPr id="5" name="Title 1"/>
-          <p:cNvSpPr>
-            <a:spLocks noGrp="1"/>
-          </p:cNvSpPr>
-          <p:nvPr>
-            <p:ph type="title"/>
-          </p:nvPr>
-        </p:nvSpPr>
-        <p:spPr>
-          <a:xfrm>
-            <a:off x="426128" y="408372"/>
-            <a:ext cx="8260672" cy="1039427"/>
-          </a:xfrm>
-        </p:spPr>
-        <p:txBody>
-          <a:bodyPr>
-            <a:normAutofit fontScale="90000"/>
-          </a:bodyPr>
-          <a:lstStyle/>
-          <a:p>
-            <a:pPr lvl="0"/>
-            <a:r>
-              <a:rPr lang="en-US" b="1" dirty="0">
-                <a:solidFill>
-                  <a:srgbClr val="0070C0"/>
-                </a:solidFill>
-              </a:rPr>
-              <a:t>L – </a:t>
-            </a:r>
-            <a:r>
-              <a:rPr lang="en-US" b="1" dirty="0" err="1">
-                <a:solidFill>
-                  <a:srgbClr val="0070C0"/>
-                </a:solidFill>
-              </a:rPr>
-              <a:t>Liskov</a:t>
-            </a:r>
-            <a:r>
-              <a:rPr lang="en-US" b="1" dirty="0">
-                <a:solidFill>
-                  <a:srgbClr val="0070C0"/>
-                </a:solidFill>
-              </a:rPr>
-              <a:t> substitution principle</a:t>
-            </a:r>
-            <a:endParaRPr lang="en-US" b="1" dirty="0">
-              <a:solidFill>
-                <a:srgbClr val="0070C0"/>
-              </a:solidFill>
-            </a:endParaRPr>
-          </a:p>
-        </p:txBody>
-      </p:sp>
-      <p:sp>
-        <p:nvSpPr>
-          <p:cNvPr id="2" name="Rectangle 1"/>
-          <p:cNvSpPr/>
-          <p:nvPr/>
-        </p:nvSpPr>
-        <p:spPr>
-          <a:xfrm>
-            <a:off x="533400" y="2247900"/>
-            <a:ext cx="1752600" cy="609600"/>
-          </a:xfrm>
-          <a:prstGeom prst="rect">
-            <a:avLst/>
-          </a:prstGeom>
-        </p:spPr>
-        <p:style>
-          <a:lnRef idx="2">
-            <a:schemeClr val="accent6"/>
-          </a:lnRef>
-          <a:fillRef idx="1">
-            <a:schemeClr val="lt1"/>
-          </a:fillRef>
-          <a:effectRef idx="0">
-            <a:schemeClr val="accent6"/>
-          </a:effectRef>
-          <a:fontRef idx="minor">
-            <a:schemeClr val="dk1"/>
-          </a:fontRef>
-        </p:style>
-        <p:txBody>
-          <a:bodyPr rtlCol="0" anchor="ctr"/>
-          <a:lstStyle/>
-          <a:p>
-            <a:pPr algn="ctr"/>
-            <a:r>
-              <a:rPr lang="en-US" dirty="0" smtClean="0"/>
-              <a:t>Calculation</a:t>
-            </a:r>
-            <a:endParaRPr lang="en-US" dirty="0"/>
-          </a:p>
-        </p:txBody>
-      </p:sp>
-      <p:sp>
-        <p:nvSpPr>
-          <p:cNvPr id="6" name="Rectangle 5"/>
-          <p:cNvSpPr/>
-          <p:nvPr/>
-        </p:nvSpPr>
-        <p:spPr>
-          <a:xfrm>
-            <a:off x="381000" y="3390900"/>
-            <a:ext cx="2057400" cy="609600"/>
-          </a:xfrm>
-          <a:prstGeom prst="rect">
-            <a:avLst/>
-          </a:prstGeom>
-        </p:spPr>
-        <p:style>
-          <a:lnRef idx="2">
-            <a:schemeClr val="accent6"/>
-          </a:lnRef>
-          <a:fillRef idx="1">
-            <a:schemeClr val="lt1"/>
-          </a:fillRef>
-          <a:effectRef idx="0">
-            <a:schemeClr val="accent6"/>
-          </a:effectRef>
-          <a:fontRef idx="minor">
-            <a:schemeClr val="dk1"/>
-          </a:fontRef>
-        </p:style>
-        <p:txBody>
-          <a:bodyPr rtlCol="0" anchor="ctr"/>
-          <a:lstStyle/>
-          <a:p>
-            <a:pPr algn="ctr"/>
-            <a:r>
-              <a:rPr lang="en-US" dirty="0" err="1" smtClean="0"/>
-              <a:t>My_Calculation</a:t>
-            </a:r>
-            <a:endParaRPr lang="en-US" dirty="0"/>
-          </a:p>
-        </p:txBody>
-      </p:sp>
-      <p:cxnSp>
-        <p:nvCxnSpPr>
-          <p:cNvPr id="7" name="Straight Arrow Connector 6"/>
-          <p:cNvCxnSpPr>
-            <a:stCxn id="6" idx="0"/>
-            <a:endCxn id="2" idx="2"/>
-          </p:cNvCxnSpPr>
-          <p:nvPr/>
-        </p:nvCxnSpPr>
-        <p:spPr>
-          <a:xfrm flipV="1">
-            <a:off x="1409700" y="2857500"/>
-            <a:ext cx="0" cy="533400"/>
-          </a:xfrm>
-          <a:prstGeom prst="straightConnector1">
-            <a:avLst/>
-          </a:prstGeom>
-          <a:ln>
-            <a:tailEnd type="arrow"/>
-          </a:ln>
-        </p:spPr>
-        <p:style>
-          <a:lnRef idx="1">
-            <a:schemeClr val="accent1"/>
-          </a:lnRef>
-          <a:fillRef idx="0">
-            <a:schemeClr val="accent1"/>
-          </a:fillRef>
-          <a:effectRef idx="0">
-            <a:schemeClr val="accent1"/>
-          </a:effectRef>
-          <a:fontRef idx="minor">
-            <a:schemeClr val="tx1"/>
-          </a:fontRef>
-        </p:style>
-      </p:cxnSp>
-      <p:pic>
-        <p:nvPicPr>
-          <p:cNvPr id="4098" name="Picture 2"/>
-          <p:cNvPicPr>
-            <a:picLocks noChangeAspect="1" noChangeArrowheads="1"/>
-          </p:cNvPicPr>
-          <p:nvPr/>
-        </p:nvPicPr>
-        <p:blipFill>
-          <a:blip r:embed="rId3">
-            <a:extLst>
-              <a:ext uri="{28A0092B-C50C-407E-A947-70E740481C1C}">
-                <a14:useLocalDpi xmlns:a14="http://schemas.microsoft.com/office/drawing/2010/main" val="0"/>
-              </a:ext>
-            </a:extLst>
-          </a:blip>
-          <a:srcRect/>
-          <a:stretch>
-            <a:fillRect/>
-          </a:stretch>
-        </p:blipFill>
-        <p:spPr bwMode="auto">
-          <a:xfrm>
-            <a:off x="3352800" y="1785938"/>
-            <a:ext cx="5038725" cy="3286125"/>
-          </a:xfrm>
-          <a:prstGeom prst="rect">
-            <a:avLst/>
-          </a:prstGeom>
-          <a:noFill/>
-          <a:ln>
-            <a:noFill/>
-          </a:ln>
-          <a:effectLst/>
-          <a:extLst>
-            <a:ext uri="{909E8E84-426E-40DD-AFC4-6F175D3DCCD1}">
-              <a14:hiddenFill xmlns:a14="http://schemas.microsoft.com/office/drawing/2010/main">
-                <a:solidFill>
-                  <a:schemeClr val="accent1"/>
-                </a:solidFill>
-              </a14:hiddenFill>
-            </a:ext>
-            <a:ext uri="{91240B29-F687-4F45-9708-019B960494DF}">
-              <a14:hiddenLine xmlns:a14="http://schemas.microsoft.com/office/drawing/2010/main" w="9525">
-                <a:solidFill>
-                  <a:schemeClr val="tx1"/>
-                </a:solidFill>
-                <a:miter lim="800000"/>
-                <a:headEnd/>
-                <a:tailEnd/>
-              </a14:hiddenLine>
-            </a:ext>
-            <a:ext uri="{AF507438-7753-43E0-B8FC-AC1667EBCBE1}">
-              <a14:hiddenEffects xmlns:a14="http://schemas.microsoft.com/office/drawing/2010/main">
-                <a:effectLst>
-                  <a:outerShdw dist="35921" dir="2700000" algn="ctr" rotWithShape="0">
-                    <a:schemeClr val="bg2"/>
-                  </a:outerShdw>
-                </a:effectLst>
-              </a14:hiddenEffects>
-            </a:ext>
-          </a:extLst>
-        </p:spPr>
-      </p:pic>
-      <p:sp>
-        <p:nvSpPr>
-          <p:cNvPr id="11" name="Date Placeholder 10"/>
-          <p:cNvSpPr>
-            <a:spLocks noGrp="1"/>
-          </p:cNvSpPr>
-          <p:nvPr>
-            <p:ph type="dt" sz="half" idx="10"/>
-          </p:nvPr>
-        </p:nvSpPr>
-        <p:spPr/>
-        <p:txBody>
-          <a:bodyPr/>
-          <a:lstStyle/>
-          <a:p>
-            <a:fld id="{413C1B1D-5702-405C-9ABD-628B1CEC7B56}" type="datetime1">
-              <a:rPr lang="en-US" smtClean="0"/>
-              <a:t>8/18/2016</a:t>
-            </a:fld>
-            <a:endParaRPr lang="en-US"/>
-          </a:p>
-        </p:txBody>
-      </p:sp>
-      <p:sp>
-        <p:nvSpPr>
-          <p:cNvPr id="12" name="Footer Placeholder 11"/>
-          <p:cNvSpPr>
-            <a:spLocks noGrp="1"/>
-          </p:cNvSpPr>
-          <p:nvPr>
-            <p:ph type="ftr" sz="quarter" idx="11"/>
-          </p:nvPr>
-        </p:nvSpPr>
-        <p:spPr/>
-        <p:txBody>
-          <a:bodyPr/>
-          <a:lstStyle/>
-          <a:p>
-            <a:r>
-              <a:rPr lang="en-US" smtClean="0"/>
-              <a:t>GCS-TRA</a:t>
-            </a:r>
-            <a:endParaRPr lang="en-US"/>
-          </a:p>
-        </p:txBody>
-      </p:sp>
-      <p:sp>
-        <p:nvSpPr>
-          <p:cNvPr id="13" name="Slide Number Placeholder 12"/>
-          <p:cNvSpPr>
-            <a:spLocks noGrp="1"/>
-          </p:cNvSpPr>
-          <p:nvPr>
-            <p:ph type="sldNum" sz="quarter" idx="12"/>
-          </p:nvPr>
-        </p:nvSpPr>
-        <p:spPr/>
-        <p:txBody>
-          <a:bodyPr/>
-          <a:lstStyle/>
-          <a:p>
-            <a:fld id="{1633171A-E30C-4A24-9CC4-E035DC77CF5A}" type="slidenum">
-              <a:rPr lang="en-US" smtClean="0"/>
-              <a:t>9</a:t>
-            </a:fld>
-            <a:endParaRPr lang="en-US"/>
-          </a:p>
-        </p:txBody>
-      </p:sp>
-    </p:spTree>
-    <p:extLst>
-      <p:ext uri="{BB962C8B-B14F-4D97-AF65-F5344CB8AC3E}">
-        <p14:creationId xmlns:p14="http://schemas.microsoft.com/office/powerpoint/2010/main" val="1924646876"/>
       </p:ext>
     </p:extLst>
   </p:cSld>
